--- a/_PowerPoints/2nd Semester/Unit 7 ACT/Algebra4_Day_063 ACT Abbreviated Test.pptx
+++ b/_PowerPoints/2nd Semester/Unit 7 ACT/Algebra4_Day_063 ACT Abbreviated Test.pptx
@@ -5,24 +5,26 @@
     <p:sldMasterId id="2147483648" r:id="rId1"/>
   </p:sldMasterIdLst>
   <p:handoutMasterIdLst>
-    <p:handoutMasterId r:id="rId17"/>
+    <p:handoutMasterId r:id="rId19"/>
   </p:handoutMasterIdLst>
   <p:sldIdLst>
     <p:sldId id="263" r:id="rId2"/>
-    <p:sldId id="282" r:id="rId3"/>
-    <p:sldId id="283" r:id="rId4"/>
-    <p:sldId id="284" r:id="rId5"/>
-    <p:sldId id="288" r:id="rId6"/>
-    <p:sldId id="285" r:id="rId7"/>
-    <p:sldId id="289" r:id="rId8"/>
-    <p:sldId id="286" r:id="rId9"/>
-    <p:sldId id="287" r:id="rId10"/>
-    <p:sldId id="295" r:id="rId11"/>
-    <p:sldId id="293" r:id="rId12"/>
-    <p:sldId id="291" r:id="rId13"/>
-    <p:sldId id="290" r:id="rId14"/>
-    <p:sldId id="292" r:id="rId15"/>
-    <p:sldId id="294" r:id="rId16"/>
+    <p:sldId id="296" r:id="rId3"/>
+    <p:sldId id="297" r:id="rId4"/>
+    <p:sldId id="282" r:id="rId5"/>
+    <p:sldId id="283" r:id="rId6"/>
+    <p:sldId id="284" r:id="rId7"/>
+    <p:sldId id="288" r:id="rId8"/>
+    <p:sldId id="285" r:id="rId9"/>
+    <p:sldId id="289" r:id="rId10"/>
+    <p:sldId id="286" r:id="rId11"/>
+    <p:sldId id="287" r:id="rId12"/>
+    <p:sldId id="295" r:id="rId13"/>
+    <p:sldId id="293" r:id="rId14"/>
+    <p:sldId id="291" r:id="rId15"/>
+    <p:sldId id="290" r:id="rId16"/>
+    <p:sldId id="292" r:id="rId17"/>
+    <p:sldId id="294" r:id="rId18"/>
   </p:sldIdLst>
   <p:sldSz cx="12192000" cy="6858000"/>
   <p:notesSz cx="9296400" cy="7010400"/>
@@ -4061,64 +4063,122 @@
           <a:chExt cx="0" cy="0"/>
         </a:xfrm>
       </p:grpSpPr>
-      <p:sp>
-        <p:nvSpPr>
-          <p:cNvPr id="2" name="Title 1"/>
-          <p:cNvSpPr>
-            <a:spLocks noGrp="1"/>
-          </p:cNvSpPr>
-          <p:nvPr>
-            <p:ph type="title"/>
-          </p:nvPr>
-        </p:nvSpPr>
-        <p:spPr/>
-        <p:txBody>
-          <a:bodyPr/>
-          <a:lstStyle/>
-          <a:p>
-            <a:r>
-              <a:rPr lang="en-US" dirty="0" smtClean="0"/>
-              <a:t>Catch Up… </a:t>
-            </a:r>
-            <a:endParaRPr lang="en-US" dirty="0"/>
-          </a:p>
-        </p:txBody>
-      </p:sp>
-      <p:sp>
-        <p:nvSpPr>
-          <p:cNvPr id="3" name="Content Placeholder 2"/>
-          <p:cNvSpPr>
-            <a:spLocks noGrp="1"/>
-          </p:cNvSpPr>
-          <p:nvPr>
-            <p:ph idx="1"/>
-          </p:nvPr>
-        </p:nvSpPr>
-        <p:spPr/>
-        <p:txBody>
-          <a:bodyPr>
-            <a:normAutofit/>
+      <p:pic>
+        <p:nvPicPr>
+          <p:cNvPr id="2" name="Picture 1"/>
+          <p:cNvPicPr>
+            <a:picLocks noChangeAspect="1"/>
+          </p:cNvPicPr>
+          <p:nvPr/>
+        </p:nvPicPr>
+        <p:blipFill>
+          <a:blip r:embed="rId2">
+            <a:extLst>
+              <a:ext uri="{28A0092B-C50C-407E-A947-70E740481C1C}">
+                <a14:useLocalDpi xmlns:a14="http://schemas.microsoft.com/office/drawing/2010/main" val="0"/>
+              </a:ext>
+            </a:extLst>
+          </a:blip>
+          <a:stretch>
+            <a:fillRect/>
+          </a:stretch>
+        </p:blipFill>
+        <p:spPr>
+          <a:xfrm>
+            <a:off x="256674" y="936395"/>
+            <a:ext cx="11789238" cy="2896670"/>
+          </a:xfrm>
+          <a:prstGeom prst="rect">
+            <a:avLst/>
+          </a:prstGeom>
+        </p:spPr>
+      </p:pic>
+      <p:sp>
+        <p:nvSpPr>
+          <p:cNvPr id="3" name="TextBox 2"/>
+          <p:cNvSpPr txBox="1"/>
+          <p:nvPr/>
+        </p:nvSpPr>
+        <p:spPr>
+          <a:xfrm>
+            <a:off x="1122947" y="320842"/>
+            <a:ext cx="4830168" cy="615553"/>
+          </a:xfrm>
+          <a:prstGeom prst="rect">
+            <a:avLst/>
+          </a:prstGeom>
+          <a:noFill/>
+        </p:spPr>
+        <p:txBody>
+          <a:bodyPr wrap="none" rtlCol="0">
+            <a:spAutoFit/>
           </a:bodyPr>
           <a:lstStyle/>
           <a:p>
             <a:r>
               <a:rPr lang="en-US" sz="3400" dirty="0" smtClean="0"/>
-              <a:t>Take 10 minutes to go back and review your work… </a:t>
-            </a:r>
-          </a:p>
-          <a:p>
-            <a:r>
-              <a:rPr lang="en-US" sz="3400" dirty="0" smtClean="0"/>
-              <a:t>This won’t be allowed on the ACT, but as we practice I want you to try and catch your own mistakes, and/or finish the practice problems before we check them in class</a:t>
+              <a:t>Reading Abbreviated Test</a:t>
             </a:r>
             <a:endParaRPr lang="en-US" sz="3400" dirty="0"/>
+          </a:p>
+        </p:txBody>
+      </p:sp>
+      <p:sp>
+        <p:nvSpPr>
+          <p:cNvPr id="4" name="TextBox 3"/>
+          <p:cNvSpPr txBox="1"/>
+          <p:nvPr/>
+        </p:nvSpPr>
+        <p:spPr>
+          <a:xfrm>
+            <a:off x="1636295" y="3994483"/>
+            <a:ext cx="10409617" cy="2400657"/>
+          </a:xfrm>
+          <a:prstGeom prst="rect">
+            <a:avLst/>
+          </a:prstGeom>
+          <a:noFill/>
+        </p:spPr>
+        <p:txBody>
+          <a:bodyPr wrap="square" rtlCol="0">
+            <a:spAutoFit/>
+          </a:bodyPr>
+          <a:lstStyle/>
+          <a:p>
+            <a:r>
+              <a:rPr lang="en-US" sz="3000" dirty="0" smtClean="0"/>
+              <a:t>After reading through these directions as a class. You will be told you have </a:t>
+            </a:r>
+            <a:r>
+              <a:rPr lang="en-US" sz="3000" b="1" i="1" u="sng" dirty="0" smtClean="0"/>
+              <a:t>10 minutes </a:t>
+            </a:r>
+            <a:r>
+              <a:rPr lang="en-US" sz="3000" dirty="0" smtClean="0"/>
+              <a:t>to complete the </a:t>
+            </a:r>
+            <a:r>
+              <a:rPr lang="en-US" sz="3000" b="1" i="1" u="sng" dirty="0" smtClean="0"/>
+              <a:t>11 questions</a:t>
+            </a:r>
+            <a:r>
+              <a:rPr lang="en-US" sz="3000" dirty="0" smtClean="0"/>
+              <a:t>. </a:t>
+            </a:r>
+          </a:p>
+          <a:p>
+            <a:r>
+              <a:rPr lang="en-US" sz="3000" dirty="0" smtClean="0"/>
+              <a:t>If you finish early, do not work ahead, and do not go back go previous sections. Spend any extra time reviewing your answers for this section.</a:t>
+            </a:r>
+            <a:endParaRPr lang="en-US" sz="3000" dirty="0"/>
           </a:p>
         </p:txBody>
       </p:sp>
     </p:spTree>
     <p:extLst>
       <p:ext uri="{BB962C8B-B14F-4D97-AF65-F5344CB8AC3E}">
-        <p14:creationId xmlns:p14="http://schemas.microsoft.com/office/powerpoint/2010/main" val="1182455892"/>
+        <p14:creationId xmlns:p14="http://schemas.microsoft.com/office/powerpoint/2010/main" val="3915429168"/>
       </p:ext>
     </p:extLst>
   </p:cSld>
@@ -4145,81 +4205,122 @@
           <a:chExt cx="0" cy="0"/>
         </a:xfrm>
       </p:grpSpPr>
-      <p:sp>
-        <p:nvSpPr>
-          <p:cNvPr id="2" name="Title 1"/>
-          <p:cNvSpPr>
-            <a:spLocks noGrp="1"/>
-          </p:cNvSpPr>
-          <p:nvPr>
-            <p:ph type="title"/>
-          </p:nvPr>
-        </p:nvSpPr>
-        <p:spPr>
-          <a:xfrm>
-            <a:off x="1371600" y="236621"/>
-            <a:ext cx="9601200" cy="1485900"/>
-          </a:xfrm>
-        </p:spPr>
-        <p:txBody>
-          <a:bodyPr/>
-          <a:lstStyle/>
-          <a:p>
-            <a:r>
-              <a:rPr lang="en-US" dirty="0" smtClean="0"/>
-              <a:t>Grading your Abbreviated Test</a:t>
-            </a:r>
-            <a:endParaRPr lang="en-US" dirty="0"/>
-          </a:p>
-        </p:txBody>
-      </p:sp>
-      <p:sp>
-        <p:nvSpPr>
-          <p:cNvPr id="3" name="Content Placeholder 2"/>
-          <p:cNvSpPr>
-            <a:spLocks noGrp="1"/>
-          </p:cNvSpPr>
-          <p:nvPr>
-            <p:ph idx="1"/>
-          </p:nvPr>
-        </p:nvSpPr>
-        <p:spPr>
-          <a:xfrm>
-            <a:off x="1371600" y="1427747"/>
-            <a:ext cx="9601200" cy="5430253"/>
-          </a:xfrm>
-        </p:spPr>
-        <p:txBody>
-          <a:bodyPr>
-            <a:normAutofit/>
+      <p:pic>
+        <p:nvPicPr>
+          <p:cNvPr id="2" name="Picture 1"/>
+          <p:cNvPicPr>
+            <a:picLocks noChangeAspect="1"/>
+          </p:cNvPicPr>
+          <p:nvPr/>
+        </p:nvPicPr>
+        <p:blipFill>
+          <a:blip r:embed="rId2">
+            <a:extLst>
+              <a:ext uri="{28A0092B-C50C-407E-A947-70E740481C1C}">
+                <a14:useLocalDpi xmlns:a14="http://schemas.microsoft.com/office/drawing/2010/main" val="0"/>
+              </a:ext>
+            </a:extLst>
+          </a:blip>
+          <a:stretch>
+            <a:fillRect/>
+          </a:stretch>
+        </p:blipFill>
+        <p:spPr>
+          <a:xfrm>
+            <a:off x="1636295" y="743890"/>
+            <a:ext cx="9047746" cy="3354047"/>
+          </a:xfrm>
+          <a:prstGeom prst="rect">
+            <a:avLst/>
+          </a:prstGeom>
+        </p:spPr>
+      </p:pic>
+      <p:sp>
+        <p:nvSpPr>
+          <p:cNvPr id="3" name="TextBox 2"/>
+          <p:cNvSpPr txBox="1"/>
+          <p:nvPr/>
+        </p:nvSpPr>
+        <p:spPr>
+          <a:xfrm>
+            <a:off x="978569" y="128337"/>
+            <a:ext cx="4773486" cy="615553"/>
+          </a:xfrm>
+          <a:prstGeom prst="rect">
+            <a:avLst/>
+          </a:prstGeom>
+          <a:noFill/>
+        </p:spPr>
+        <p:txBody>
+          <a:bodyPr wrap="none" rtlCol="0">
+            <a:spAutoFit/>
           </a:bodyPr>
           <a:lstStyle/>
           <a:p>
             <a:r>
               <a:rPr lang="en-US" sz="3400" dirty="0" smtClean="0"/>
-              <a:t>Be honest with yourself and go through your test and mark the problems you got correct, and the problems you got wrong. </a:t>
-            </a:r>
-          </a:p>
-          <a:p>
-            <a:r>
-              <a:rPr lang="en-US" sz="3400" dirty="0" smtClean="0"/>
-              <a:t>You are going to grow more, and score higher on the test that counts if you are honest with yourself now so please do not feel the need to cheat. </a:t>
-            </a:r>
-          </a:p>
-          <a:p>
-            <a:pPr lvl="1"/>
-            <a:r>
-              <a:rPr lang="en-US" sz="3400" dirty="0" smtClean="0"/>
-              <a:t>If you miss them all, it doesn’t matter, we’ll be able to fix the small issues and move on before the actual test!</a:t>
+              <a:t>Science Abbreviated Test</a:t>
             </a:r>
             <a:endParaRPr lang="en-US" sz="3400" dirty="0"/>
+          </a:p>
+        </p:txBody>
+      </p:sp>
+      <p:sp>
+        <p:nvSpPr>
+          <p:cNvPr id="4" name="TextBox 3"/>
+          <p:cNvSpPr txBox="1"/>
+          <p:nvPr/>
+        </p:nvSpPr>
+        <p:spPr>
+          <a:xfrm>
+            <a:off x="1219200" y="4267200"/>
+            <a:ext cx="10826712" cy="2400657"/>
+          </a:xfrm>
+          <a:prstGeom prst="rect">
+            <a:avLst/>
+          </a:prstGeom>
+          <a:noFill/>
+        </p:spPr>
+        <p:txBody>
+          <a:bodyPr wrap="square" rtlCol="0">
+            <a:spAutoFit/>
+          </a:bodyPr>
+          <a:lstStyle/>
+          <a:p>
+            <a:r>
+              <a:rPr lang="en-US" sz="3000" dirty="0" smtClean="0"/>
+              <a:t>After reading through these directions as a class. You will be told you have </a:t>
+            </a:r>
+            <a:r>
+              <a:rPr lang="en-US" sz="3000" b="1" i="1" u="sng" dirty="0" smtClean="0"/>
+              <a:t>10 minutes </a:t>
+            </a:r>
+            <a:r>
+              <a:rPr lang="en-US" sz="3000" dirty="0" smtClean="0"/>
+              <a:t>to complete the </a:t>
+            </a:r>
+            <a:r>
+              <a:rPr lang="en-US" sz="3000" b="1" i="1" u="sng" dirty="0" smtClean="0"/>
+              <a:t>10 questions</a:t>
+            </a:r>
+            <a:r>
+              <a:rPr lang="en-US" sz="3000" dirty="0" smtClean="0"/>
+              <a:t>. </a:t>
+            </a:r>
+          </a:p>
+          <a:p>
+            <a:r>
+              <a:rPr lang="en-US" sz="3000" dirty="0" smtClean="0"/>
+              <a:t>If you finish early, do not work ahead, and do not go back go previous sections. Spend any extra time reviewing your answers for this section.</a:t>
+            </a:r>
+            <a:endParaRPr lang="en-US" sz="3000" dirty="0"/>
           </a:p>
         </p:txBody>
       </p:sp>
     </p:spTree>
     <p:extLst>
       <p:ext uri="{BB962C8B-B14F-4D97-AF65-F5344CB8AC3E}">
-        <p14:creationId xmlns:p14="http://schemas.microsoft.com/office/powerpoint/2010/main" val="115392498"/>
+        <p14:creationId xmlns:p14="http://schemas.microsoft.com/office/powerpoint/2010/main" val="1263490851"/>
       </p:ext>
     </p:extLst>
   </p:cSld>
@@ -4263,7 +4364,7 @@
           <a:p>
             <a:r>
               <a:rPr lang="en-US" dirty="0" smtClean="0"/>
-              <a:t>Look over the following… </a:t>
+              <a:t>Catch Up… </a:t>
             </a:r>
             <a:endParaRPr lang="en-US" dirty="0"/>
           </a:p>
@@ -4279,12 +4380,7 @@
             <p:ph idx="1"/>
           </p:nvPr>
         </p:nvSpPr>
-        <p:spPr>
-          <a:xfrm>
-            <a:off x="1371600" y="2286000"/>
-            <a:ext cx="9601200" cy="4435642"/>
-          </a:xfrm>
-        </p:spPr>
+        <p:spPr/>
         <p:txBody>
           <a:bodyPr>
             <a:normAutofit/>
@@ -4292,24 +4388,245 @@
           <a:lstStyle/>
           <a:p>
             <a:r>
-              <a:rPr lang="en-US" sz="3600" dirty="0"/>
-              <a:t>Example of a Writing </a:t>
-            </a:r>
-            <a:r>
-              <a:rPr lang="en-US" sz="3600" dirty="0" smtClean="0"/>
-              <a:t>Prompt</a:t>
-            </a:r>
-          </a:p>
-          <a:p>
-            <a:r>
               <a:rPr lang="en-US" sz="3400" dirty="0" smtClean="0"/>
-              <a:t>We won’t do this today, but just so you can have an example of what the writing portion will look like… feel free to take a picture and think about how you would answer this essay. </a:t>
-            </a:r>
-          </a:p>
-          <a:p>
+              <a:t>Take </a:t>
+            </a:r>
             <a:r>
               <a:rPr lang="en-US" sz="3400" dirty="0" smtClean="0"/>
-              <a:t>The first slide gives you the set up, and the second one asks you to get rolling. </a:t>
+              <a:t>10-12 </a:t>
+            </a:r>
+            <a:r>
+              <a:rPr lang="en-US" sz="3400" dirty="0" smtClean="0"/>
+              <a:t>minutes to go back and review your work… </a:t>
+            </a:r>
+          </a:p>
+          <a:p>
+            <a:r>
+              <a:rPr lang="en-US" sz="3400" dirty="0" smtClean="0"/>
+              <a:t>This won’t be allowed on the ACT, but as we practice I want you to try and catch your own mistakes, and/or finish the practice problems before we check them in class</a:t>
+            </a:r>
+            <a:endParaRPr lang="en-US" sz="3400" dirty="0"/>
+          </a:p>
+        </p:txBody>
+      </p:sp>
+    </p:spTree>
+    <p:extLst>
+      <p:ext uri="{BB962C8B-B14F-4D97-AF65-F5344CB8AC3E}">
+        <p14:creationId xmlns:p14="http://schemas.microsoft.com/office/powerpoint/2010/main" val="1182455892"/>
+      </p:ext>
+    </p:extLst>
+  </p:cSld>
+  <p:clrMapOvr>
+    <a:masterClrMapping/>
+  </p:clrMapOvr>
+</p:sld>
+</file>
+
+<file path=ppt/slides/slide13.xml><?xml version="1.0" encoding="utf-8"?>
+<p:sld xmlns:a="http://schemas.openxmlformats.org/drawingml/2006/main" xmlns:r="http://schemas.openxmlformats.org/officeDocument/2006/relationships" xmlns:p="http://schemas.openxmlformats.org/presentationml/2006/main">
+  <p:cSld>
+    <p:spTree>
+      <p:nvGrpSpPr>
+        <p:cNvPr id="1" name=""/>
+        <p:cNvGrpSpPr/>
+        <p:nvPr/>
+      </p:nvGrpSpPr>
+      <p:grpSpPr>
+        <a:xfrm>
+          <a:off x="0" y="0"/>
+          <a:ext cx="0" cy="0"/>
+          <a:chOff x="0" y="0"/>
+          <a:chExt cx="0" cy="0"/>
+        </a:xfrm>
+      </p:grpSpPr>
+      <p:sp>
+        <p:nvSpPr>
+          <p:cNvPr id="2" name="Title 1"/>
+          <p:cNvSpPr>
+            <a:spLocks noGrp="1"/>
+          </p:cNvSpPr>
+          <p:nvPr>
+            <p:ph type="title"/>
+          </p:nvPr>
+        </p:nvSpPr>
+        <p:spPr>
+          <a:xfrm>
+            <a:off x="1371600" y="236621"/>
+            <a:ext cx="9601200" cy="1485900"/>
+          </a:xfrm>
+        </p:spPr>
+        <p:txBody>
+          <a:bodyPr/>
+          <a:lstStyle/>
+          <a:p>
+            <a:r>
+              <a:rPr lang="en-US" dirty="0" smtClean="0"/>
+              <a:t>Grading your Abbreviated Test</a:t>
+            </a:r>
+            <a:endParaRPr lang="en-US" dirty="0"/>
+          </a:p>
+        </p:txBody>
+      </p:sp>
+      <p:sp>
+        <p:nvSpPr>
+          <p:cNvPr id="3" name="Content Placeholder 2"/>
+          <p:cNvSpPr>
+            <a:spLocks noGrp="1"/>
+          </p:cNvSpPr>
+          <p:nvPr>
+            <p:ph idx="1"/>
+          </p:nvPr>
+        </p:nvSpPr>
+        <p:spPr>
+          <a:xfrm>
+            <a:off x="1371600" y="1427747"/>
+            <a:ext cx="9601200" cy="5430253"/>
+          </a:xfrm>
+        </p:spPr>
+        <p:txBody>
+          <a:bodyPr>
+            <a:normAutofit/>
+          </a:bodyPr>
+          <a:lstStyle/>
+          <a:p>
+            <a:r>
+              <a:rPr lang="en-US" sz="3400" dirty="0" smtClean="0"/>
+              <a:t>Be honest with yourself and go through your test and mark the problems you got correct, and the problems you got wrong. </a:t>
+            </a:r>
+          </a:p>
+          <a:p>
+            <a:r>
+              <a:rPr lang="en-US" sz="3400" dirty="0" smtClean="0"/>
+              <a:t>You are going to grow more, and score higher on the test that counts if you are honest with yourself now so please do not feel the need to cheat. </a:t>
+            </a:r>
+          </a:p>
+          <a:p>
+            <a:pPr lvl="1"/>
+            <a:r>
+              <a:rPr lang="en-US" sz="3400" dirty="0" smtClean="0"/>
+              <a:t>If you miss them all, it doesn’t matter, we’ll be able to fix the small issues and move on before the actual test!</a:t>
+            </a:r>
+            <a:endParaRPr lang="en-US" sz="3400" dirty="0"/>
+          </a:p>
+        </p:txBody>
+      </p:sp>
+    </p:spTree>
+    <p:extLst>
+      <p:ext uri="{BB962C8B-B14F-4D97-AF65-F5344CB8AC3E}">
+        <p14:creationId xmlns:p14="http://schemas.microsoft.com/office/powerpoint/2010/main" val="115392498"/>
+      </p:ext>
+    </p:extLst>
+  </p:cSld>
+  <p:clrMapOvr>
+    <a:masterClrMapping/>
+  </p:clrMapOvr>
+</p:sld>
+</file>
+
+<file path=ppt/slides/slide14.xml><?xml version="1.0" encoding="utf-8"?>
+<p:sld xmlns:a="http://schemas.openxmlformats.org/drawingml/2006/main" xmlns:r="http://schemas.openxmlformats.org/officeDocument/2006/relationships" xmlns:p="http://schemas.openxmlformats.org/presentationml/2006/main">
+  <p:cSld>
+    <p:spTree>
+      <p:nvGrpSpPr>
+        <p:cNvPr id="1" name=""/>
+        <p:cNvGrpSpPr/>
+        <p:nvPr/>
+      </p:nvGrpSpPr>
+      <p:grpSpPr>
+        <a:xfrm>
+          <a:off x="0" y="0"/>
+          <a:ext cx="0" cy="0"/>
+          <a:chOff x="0" y="0"/>
+          <a:chExt cx="0" cy="0"/>
+        </a:xfrm>
+      </p:grpSpPr>
+      <p:sp>
+        <p:nvSpPr>
+          <p:cNvPr id="2" name="Title 1"/>
+          <p:cNvSpPr>
+            <a:spLocks noGrp="1"/>
+          </p:cNvSpPr>
+          <p:nvPr>
+            <p:ph type="title"/>
+          </p:nvPr>
+        </p:nvSpPr>
+        <p:spPr/>
+        <p:txBody>
+          <a:bodyPr>
+            <a:normAutofit/>
+          </a:bodyPr>
+          <a:lstStyle/>
+          <a:p>
+            <a:r>
+              <a:rPr lang="en-US" dirty="0" smtClean="0"/>
+              <a:t>Look over the </a:t>
+            </a:r>
+            <a:r>
+              <a:rPr lang="en-US" dirty="0"/>
+              <a:t>following </a:t>
+            </a:r>
+            <a:r>
+              <a:rPr lang="en-US" dirty="0" smtClean="0"/>
+              <a:t>example </a:t>
+            </a:r>
+            <a:r>
+              <a:rPr lang="en-US" dirty="0"/>
+              <a:t>of </a:t>
+            </a:r>
+            <a:r>
+              <a:rPr lang="en-US" dirty="0" smtClean="0"/>
+              <a:t>the Writing part of the ACT…</a:t>
+            </a:r>
+            <a:endParaRPr lang="en-US" dirty="0"/>
+          </a:p>
+        </p:txBody>
+      </p:sp>
+      <p:sp>
+        <p:nvSpPr>
+          <p:cNvPr id="3" name="Content Placeholder 2"/>
+          <p:cNvSpPr>
+            <a:spLocks noGrp="1"/>
+          </p:cNvSpPr>
+          <p:nvPr>
+            <p:ph idx="1"/>
+          </p:nvPr>
+        </p:nvSpPr>
+        <p:spPr>
+          <a:xfrm>
+            <a:off x="1371600" y="2286000"/>
+            <a:ext cx="10258926" cy="4435642"/>
+          </a:xfrm>
+        </p:spPr>
+        <p:txBody>
+          <a:bodyPr>
+            <a:normAutofit/>
+          </a:bodyPr>
+          <a:lstStyle/>
+          <a:p>
+            <a:r>
+              <a:rPr lang="en-US" sz="3400" dirty="0" smtClean="0"/>
+              <a:t>We won’t actually ‘test’ on </a:t>
+            </a:r>
+            <a:r>
+              <a:rPr lang="en-US" sz="3400" dirty="0" smtClean="0"/>
+              <a:t>this today, but just so you can have an example of what the writing portion will look like… feel free to take a picture and think about how you would answer this </a:t>
+            </a:r>
+            <a:r>
+              <a:rPr lang="en-US" sz="3400" dirty="0" smtClean="0"/>
+              <a:t>prompt. </a:t>
+            </a:r>
+          </a:p>
+          <a:p>
+            <a:endParaRPr lang="en-US" sz="3400" dirty="0" smtClean="0"/>
+          </a:p>
+          <a:p>
+            <a:r>
+              <a:rPr lang="en-US" sz="3400" dirty="0" smtClean="0"/>
+              <a:t>The first slide gives you the set up, and the second one asks you </a:t>
+            </a:r>
+            <a:r>
+              <a:rPr lang="en-US" sz="3400" dirty="0" smtClean="0"/>
+              <a:t>to start writing. </a:t>
             </a:r>
             <a:endParaRPr lang="en-US" sz="3400" dirty="0"/>
           </a:p>
@@ -4328,7 +4645,7 @@
 </p:sld>
 </file>
 
-<file path=ppt/slides/slide13.xml><?xml version="1.0" encoding="utf-8"?>
+<file path=ppt/slides/slide15.xml><?xml version="1.0" encoding="utf-8"?>
 <p:sld xmlns:a="http://schemas.openxmlformats.org/drawingml/2006/main" xmlns:r="http://schemas.openxmlformats.org/officeDocument/2006/relationships" xmlns:p="http://schemas.openxmlformats.org/presentationml/2006/main">
   <p:cSld>
     <p:spTree>
@@ -4388,7 +4705,7 @@
 </p:sld>
 </file>
 
-<file path=ppt/slides/slide14.xml><?xml version="1.0" encoding="utf-8"?>
+<file path=ppt/slides/slide16.xml><?xml version="1.0" encoding="utf-8"?>
 <p:sld xmlns:a="http://schemas.openxmlformats.org/drawingml/2006/main" xmlns:r="http://schemas.openxmlformats.org/officeDocument/2006/relationships" xmlns:p="http://schemas.openxmlformats.org/presentationml/2006/main">
   <p:cSld>
     <p:spTree>
@@ -4448,7 +4765,7 @@
 </p:sld>
 </file>
 
-<file path=ppt/slides/slide15.xml><?xml version="1.0" encoding="utf-8"?>
+<file path=ppt/slides/slide17.xml><?xml version="1.0" encoding="utf-8"?>
 <p:sld xmlns:a="http://schemas.openxmlformats.org/drawingml/2006/main" xmlns:r="http://schemas.openxmlformats.org/officeDocument/2006/relationships" xmlns:p="http://schemas.openxmlformats.org/presentationml/2006/main">
   <p:cSld>
     <p:spTree>
@@ -4482,7 +4799,11 @@
           <a:p>
             <a:r>
               <a:rPr lang="en-US" dirty="0" smtClean="0"/>
-              <a:t>Homework/In class work</a:t>
+              <a:t>Homework/In class </a:t>
+            </a:r>
+            <a:r>
+              <a:rPr lang="en-US" smtClean="0"/>
+              <a:t>work for next time</a:t>
             </a:r>
             <a:endParaRPr lang="en-US" dirty="0"/>
           </a:p>
@@ -4588,80 +4909,57 @@
             <p:ph type="title"/>
           </p:nvPr>
         </p:nvSpPr>
-        <p:spPr/>
+        <p:spPr>
+          <a:xfrm>
+            <a:off x="1046404" y="445168"/>
+            <a:ext cx="9601200" cy="1485900"/>
+          </a:xfrm>
+        </p:spPr>
         <p:txBody>
           <a:bodyPr/>
           <a:lstStyle/>
           <a:p>
             <a:r>
               <a:rPr lang="en-US" dirty="0" smtClean="0"/>
-              <a:t>ACT DAY 3</a:t>
-            </a:r>
-            <a:endParaRPr lang="en-US" dirty="0"/>
-          </a:p>
-        </p:txBody>
-      </p:sp>
-      <p:sp>
-        <p:nvSpPr>
-          <p:cNvPr id="3" name="Content Placeholder 2"/>
-          <p:cNvSpPr>
-            <a:spLocks noGrp="1"/>
-          </p:cNvSpPr>
+              <a:t>Bell Work</a:t>
+            </a:r>
+            <a:endParaRPr lang="en-US" dirty="0"/>
+          </a:p>
+        </p:txBody>
+      </p:sp>
+      <p:pic>
+        <p:nvPicPr>
+          <p:cNvPr id="4" name="Content Placeholder 3"/>
+          <p:cNvPicPr>
+            <a:picLocks noGrp="1" noChangeAspect="1"/>
+          </p:cNvPicPr>
           <p:nvPr>
             <p:ph idx="1"/>
           </p:nvPr>
-        </p:nvSpPr>
-        <p:spPr/>
-        <p:txBody>
-          <a:bodyPr>
-            <a:normAutofit/>
-          </a:bodyPr>
-          <a:lstStyle/>
-          <a:p>
-            <a:r>
-              <a:rPr lang="en-US" sz="3400" dirty="0" smtClean="0"/>
-              <a:t>Abbreviated Test</a:t>
-            </a:r>
-          </a:p>
-          <a:p>
-            <a:pPr lvl="1"/>
-            <a:r>
-              <a:rPr lang="en-US" sz="3400" dirty="0" smtClean="0"/>
-              <a:t>Taking all </a:t>
-            </a:r>
-            <a:r>
-              <a:rPr lang="en-US" sz="3400" dirty="0" smtClean="0"/>
-              <a:t>4 </a:t>
-            </a:r>
-            <a:r>
-              <a:rPr lang="en-US" sz="3400" dirty="0" smtClean="0"/>
-              <a:t>tests</a:t>
-            </a:r>
-            <a:endParaRPr lang="en-US" sz="3400" dirty="0" smtClean="0"/>
-          </a:p>
-          <a:p>
-            <a:pPr lvl="1"/>
-            <a:endParaRPr lang="en-US" sz="3400" dirty="0" smtClean="0"/>
-          </a:p>
-          <a:p>
-            <a:r>
-              <a:rPr lang="en-US" sz="3400" dirty="0" smtClean="0"/>
-              <a:t>Mini Math Test 4</a:t>
-            </a:r>
-            <a:endParaRPr lang="en-US" sz="3400" dirty="0"/>
-          </a:p>
-          <a:p>
-            <a:pPr marL="0" indent="0">
-              <a:buNone/>
-            </a:pPr>
-            <a:endParaRPr lang="en-US" sz="3400" dirty="0"/>
-          </a:p>
-        </p:txBody>
-      </p:sp>
+        </p:nvPicPr>
+        <p:blipFill>
+          <a:blip r:embed="rId2">
+            <a:extLst>
+              <a:ext uri="{28A0092B-C50C-407E-A947-70E740481C1C}">
+                <a14:useLocalDpi xmlns:a14="http://schemas.microsoft.com/office/drawing/2010/main" val="0"/>
+              </a:ext>
+            </a:extLst>
+          </a:blip>
+          <a:stretch>
+            <a:fillRect/>
+          </a:stretch>
+        </p:blipFill>
+        <p:spPr>
+          <a:xfrm>
+            <a:off x="1046404" y="1428750"/>
+            <a:ext cx="10921006" cy="5273724"/>
+          </a:xfrm>
+        </p:spPr>
+      </p:pic>
     </p:spTree>
     <p:extLst>
       <p:ext uri="{BB962C8B-B14F-4D97-AF65-F5344CB8AC3E}">
-        <p14:creationId xmlns:p14="http://schemas.microsoft.com/office/powerpoint/2010/main" val="590035008"/>
+        <p14:creationId xmlns:p14="http://schemas.microsoft.com/office/powerpoint/2010/main" val="1197497380"/>
       </p:ext>
     </p:extLst>
   </p:cSld>
@@ -4705,7 +5003,7 @@
           <a:p>
             <a:r>
               <a:rPr lang="en-US" dirty="0" smtClean="0"/>
-              <a:t>Abbreviated Test Pacing </a:t>
+              <a:t>Bell Work Answer: </a:t>
             </a:r>
             <a:endParaRPr lang="en-US" dirty="0"/>
           </a:p>
@@ -4723,13 +5021,13 @@
         </p:nvSpPr>
         <p:spPr>
           <a:xfrm>
-            <a:off x="1371599" y="2285999"/>
-            <a:ext cx="10435389" cy="4291263"/>
+            <a:off x="1371600" y="2286000"/>
+            <a:ext cx="9601200" cy="4572000"/>
           </a:xfrm>
         </p:spPr>
         <p:txBody>
           <a:bodyPr>
-            <a:normAutofit fontScale="92500" lnSpcReduction="10000"/>
+            <a:normAutofit/>
           </a:bodyPr>
           <a:lstStyle/>
           <a:p>
@@ -4737,26 +5035,30 @@
               <a:buNone/>
             </a:pPr>
             <a:r>
+              <a:rPr lang="en-US" sz="3400" b="1" dirty="0" smtClean="0"/>
+              <a:t>A</a:t>
+            </a:r>
+          </a:p>
+          <a:p>
+            <a:pPr marL="0" indent="0">
+              <a:buNone/>
+            </a:pPr>
+            <a:endParaRPr lang="en-US" sz="3400" dirty="0"/>
+          </a:p>
+          <a:p>
+            <a:pPr marL="0" indent="0">
+              <a:buNone/>
+            </a:pPr>
+            <a:r>
               <a:rPr lang="en-US" sz="3400" dirty="0" smtClean="0"/>
-              <a:t>Times for the abbreviated test today are approximate to stay consistent with the actual ACT Test.</a:t>
+              <a:t>How many ways can work this problem and get the same answer? </a:t>
             </a:r>
           </a:p>
           <a:p>
             <a:pPr marL="0" indent="0">
               <a:buNone/>
             </a:pPr>
-            <a:r>
-              <a:rPr lang="en-US" sz="3400" dirty="0" smtClean="0"/>
-              <a:t>Your teacher will give you a warning at </a:t>
-            </a:r>
-            <a:r>
-              <a:rPr lang="en-US" sz="3400" i="1" u="sng" dirty="0" smtClean="0"/>
-              <a:t>1 minute remaining</a:t>
-            </a:r>
-            <a:r>
-              <a:rPr lang="en-US" sz="3400" dirty="0" smtClean="0"/>
-              <a:t>!</a:t>
-            </a:r>
+            <a:endParaRPr lang="en-US" sz="3400" dirty="0"/>
           </a:p>
           <a:p>
             <a:pPr marL="0" indent="0">
@@ -4769,43 +5071,24 @@
               <a:buNone/>
             </a:pPr>
             <a:r>
-              <a:rPr lang="en-US" sz="3400" dirty="0" smtClean="0"/>
-              <a:t>English 	(10 minutes 15 questions)</a:t>
-            </a:r>
-          </a:p>
-          <a:p>
-            <a:pPr marL="0" indent="0">
-              <a:buNone/>
-            </a:pPr>
-            <a:r>
-              <a:rPr lang="en-US" sz="3400" dirty="0" smtClean="0"/>
-              <a:t>Math 	(15 minutes 15 questions)</a:t>
-            </a:r>
-          </a:p>
-          <a:p>
-            <a:pPr marL="0" indent="0">
-              <a:buNone/>
-            </a:pPr>
-            <a:r>
-              <a:rPr lang="en-US" sz="3400" dirty="0" smtClean="0"/>
-              <a:t>Reading	(10 minutes 11 questions)</a:t>
-            </a:r>
-          </a:p>
-          <a:p>
-            <a:pPr marL="0" indent="0">
-              <a:buNone/>
-            </a:pPr>
-            <a:r>
-              <a:rPr lang="en-US" sz="3400" dirty="0" smtClean="0"/>
-              <a:t>Science 	(10 minutes 10 questions)</a:t>
-            </a:r>
+              <a:rPr lang="en-US" sz="2200" dirty="0" smtClean="0"/>
+              <a:t>Hint: Distribute then combine like terms… Combine like terms then distribute. </a:t>
+            </a:r>
+            <a:br>
+              <a:rPr lang="en-US" sz="2200" dirty="0" smtClean="0"/>
+            </a:br>
+            <a:r>
+              <a:rPr lang="en-US" sz="2200" dirty="0" smtClean="0"/>
+              <a:t>         Anything else? Which seems easier for you? Why?</a:t>
+            </a:r>
+            <a:endParaRPr lang="en-US" sz="2200" dirty="0"/>
           </a:p>
         </p:txBody>
       </p:sp>
     </p:spTree>
     <p:extLst>
       <p:ext uri="{BB962C8B-B14F-4D97-AF65-F5344CB8AC3E}">
-        <p14:creationId xmlns:p14="http://schemas.microsoft.com/office/powerpoint/2010/main" val="1303715724"/>
+        <p14:creationId xmlns:p14="http://schemas.microsoft.com/office/powerpoint/2010/main" val="3233593647"/>
       </p:ext>
     </p:extLst>
   </p:cSld>
@@ -4842,19 +5125,14 @@
             <p:ph type="title"/>
           </p:nvPr>
         </p:nvSpPr>
-        <p:spPr>
-          <a:xfrm>
-            <a:off x="770021" y="477253"/>
-            <a:ext cx="9601200" cy="1485900"/>
-          </a:xfrm>
-        </p:spPr>
+        <p:spPr/>
         <p:txBody>
           <a:bodyPr/>
           <a:lstStyle/>
           <a:p>
             <a:r>
               <a:rPr lang="en-US" dirty="0" smtClean="0"/>
-              <a:t>Directions for Today. </a:t>
+              <a:t>ACT DAY 3</a:t>
             </a:r>
             <a:endParaRPr lang="en-US" dirty="0"/>
           </a:p>
@@ -4870,12 +5148,7 @@
             <p:ph idx="1"/>
           </p:nvPr>
         </p:nvSpPr>
-        <p:spPr>
-          <a:xfrm>
-            <a:off x="770021" y="1427747"/>
-            <a:ext cx="11421979" cy="5229727"/>
-          </a:xfrm>
-        </p:spPr>
+        <p:spPr/>
         <p:txBody>
           <a:bodyPr>
             <a:normAutofit/>
@@ -4884,44 +5157,36 @@
           <a:p>
             <a:r>
               <a:rPr lang="en-US" sz="3400" dirty="0" smtClean="0"/>
-              <a:t>Be honest with yourself. This is not graded, Do your best!</a:t>
+              <a:t>Abbreviated Test</a:t>
             </a:r>
           </a:p>
           <a:p>
             <a:pPr lvl="1"/>
             <a:r>
               <a:rPr lang="en-US" sz="3400" dirty="0" smtClean="0"/>
-              <a:t>Yes, the answers are on the last page… if you are worried you’ll check… tear the page off when you get it and put it out of sight. </a:t>
+              <a:t>Taking all 4 </a:t>
+            </a:r>
+            <a:r>
+              <a:rPr lang="en-US" sz="3400" dirty="0" smtClean="0"/>
+              <a:t>tests today (shortened version)</a:t>
+            </a:r>
+            <a:endParaRPr lang="en-US" sz="3400" dirty="0" smtClean="0"/>
+          </a:p>
+          <a:p>
+            <a:pPr lvl="1"/>
+            <a:endParaRPr lang="en-US" sz="3400" dirty="0" smtClean="0"/>
+          </a:p>
+          <a:p>
+            <a:r>
+              <a:rPr lang="en-US" sz="3400" dirty="0" smtClean="0"/>
+              <a:t>Mini Math Test 4</a:t>
             </a:r>
             <a:endParaRPr lang="en-US" sz="3400" dirty="0"/>
           </a:p>
           <a:p>
-            <a:pPr lvl="2"/>
-            <a:r>
-              <a:rPr lang="en-US" sz="3200" dirty="0" smtClean="0"/>
-              <a:t>Cheating on this now won’t help you later!</a:t>
-            </a:r>
-          </a:p>
-          <a:p>
-            <a:r>
-              <a:rPr lang="en-US" sz="3400" dirty="0" smtClean="0"/>
-              <a:t>Please do not go past the </a:t>
-            </a:r>
-            <a:r>
-              <a:rPr lang="en-US" sz="3400" b="1" dirty="0" smtClean="0"/>
-              <a:t>END OF TEST {#} </a:t>
-            </a:r>
-            <a:r>
-              <a:rPr lang="en-US" sz="3400" dirty="0" smtClean="0"/>
-              <a:t>page until told to do so to better prepare you for the ACT.</a:t>
-            </a:r>
-          </a:p>
-          <a:p>
-            <a:pPr lvl="1"/>
-            <a:r>
-              <a:rPr lang="en-US" sz="3400" dirty="0" smtClean="0"/>
-              <a:t>If you finish a section early go back and check over your work from that test.</a:t>
-            </a:r>
+            <a:pPr marL="0" indent="0">
+              <a:buNone/>
+            </a:pPr>
             <a:endParaRPr lang="en-US" sz="3400" dirty="0"/>
           </a:p>
         </p:txBody>
@@ -4929,20 +5194,13 @@
     </p:spTree>
     <p:extLst>
       <p:ext uri="{BB962C8B-B14F-4D97-AF65-F5344CB8AC3E}">
-        <p14:creationId xmlns:p14="http://schemas.microsoft.com/office/powerpoint/2010/main" val="2790436335"/>
+        <p14:creationId xmlns:p14="http://schemas.microsoft.com/office/powerpoint/2010/main" val="590035008"/>
       </p:ext>
     </p:extLst>
   </p:cSld>
   <p:clrMapOvr>
     <a:masterClrMapping/>
   </p:clrMapOvr>
-  <p:timing>
-    <p:tnLst>
-      <p:par>
-        <p:cTn id="1" dur="indefinite" restart="never" nodeType="tmRoot"/>
-      </p:par>
-    </p:tnLst>
-  </p:timing>
 </p:sld>
 </file>
 
@@ -4965,173 +5223,138 @@
       </p:grpSpPr>
       <p:sp>
         <p:nvSpPr>
-          <p:cNvPr id="3" name="TextBox 2"/>
-          <p:cNvSpPr txBox="1"/>
-          <p:nvPr/>
-        </p:nvSpPr>
-        <p:spPr>
-          <a:xfrm>
-            <a:off x="882244" y="144379"/>
-            <a:ext cx="4654864" cy="615553"/>
-          </a:xfrm>
-          <a:prstGeom prst="rect">
-            <a:avLst/>
-          </a:prstGeom>
-          <a:noFill/>
-        </p:spPr>
-        <p:txBody>
-          <a:bodyPr wrap="none" rtlCol="0">
-            <a:spAutoFit/>
+          <p:cNvPr id="2" name="Title 1"/>
+          <p:cNvSpPr>
+            <a:spLocks noGrp="1"/>
+          </p:cNvSpPr>
+          <p:nvPr>
+            <p:ph type="title"/>
+          </p:nvPr>
+        </p:nvSpPr>
+        <p:spPr>
+          <a:xfrm>
+            <a:off x="1371600" y="685800"/>
+            <a:ext cx="9601200" cy="998621"/>
+          </a:xfrm>
+        </p:spPr>
+        <p:txBody>
+          <a:bodyPr/>
+          <a:lstStyle/>
+          <a:p>
+            <a:r>
+              <a:rPr lang="en-US" dirty="0" smtClean="0"/>
+              <a:t>Abbreviated Test Pacing </a:t>
+            </a:r>
+            <a:endParaRPr lang="en-US" dirty="0"/>
+          </a:p>
+        </p:txBody>
+      </p:sp>
+      <p:sp>
+        <p:nvSpPr>
+          <p:cNvPr id="3" name="Content Placeholder 2"/>
+          <p:cNvSpPr>
+            <a:spLocks noGrp="1"/>
+          </p:cNvSpPr>
+          <p:nvPr>
+            <p:ph idx="1"/>
+          </p:nvPr>
+        </p:nvSpPr>
+        <p:spPr>
+          <a:xfrm>
+            <a:off x="1371599" y="1684421"/>
+            <a:ext cx="10435389" cy="4892841"/>
+          </a:xfrm>
+        </p:spPr>
+        <p:txBody>
+          <a:bodyPr>
+            <a:normAutofit fontScale="92500"/>
           </a:bodyPr>
           <a:lstStyle/>
           <a:p>
+            <a:pPr marL="0" indent="0">
+              <a:buNone/>
+            </a:pPr>
             <a:r>
               <a:rPr lang="en-US" sz="3400" dirty="0" smtClean="0"/>
-              <a:t>English Abbreviated Test</a:t>
-            </a:r>
-            <a:endParaRPr lang="en-US" sz="3400" dirty="0"/>
-          </a:p>
-        </p:txBody>
-      </p:sp>
-      <p:pic>
-        <p:nvPicPr>
-          <p:cNvPr id="4" name="Picture 3"/>
-          <p:cNvPicPr>
-            <a:picLocks noChangeAspect="1"/>
-          </p:cNvPicPr>
-          <p:nvPr/>
-        </p:nvPicPr>
-        <p:blipFill>
-          <a:blip r:embed="rId2">
-            <a:extLst>
-              <a:ext uri="{28A0092B-C50C-407E-A947-70E740481C1C}">
-                <a14:useLocalDpi xmlns:a14="http://schemas.microsoft.com/office/drawing/2010/main" val="0"/>
-              </a:ext>
-            </a:extLst>
-          </a:blip>
-          <a:stretch>
-            <a:fillRect/>
-          </a:stretch>
-        </p:blipFill>
-        <p:spPr>
-          <a:xfrm>
-            <a:off x="5926866" y="0"/>
-            <a:ext cx="6368717" cy="3557618"/>
-          </a:xfrm>
-          <a:prstGeom prst="rect">
-            <a:avLst/>
-          </a:prstGeom>
-        </p:spPr>
-      </p:pic>
-      <p:pic>
-        <p:nvPicPr>
-          <p:cNvPr id="5" name="Picture 4"/>
-          <p:cNvPicPr>
-            <a:picLocks noChangeAspect="1"/>
-          </p:cNvPicPr>
-          <p:nvPr/>
-        </p:nvPicPr>
-        <p:blipFill>
-          <a:blip r:embed="rId3">
-            <a:extLst>
-              <a:ext uri="{28A0092B-C50C-407E-A947-70E740481C1C}">
-                <a14:useLocalDpi xmlns:a14="http://schemas.microsoft.com/office/drawing/2010/main" val="0"/>
-              </a:ext>
-            </a:extLst>
-          </a:blip>
-          <a:stretch>
-            <a:fillRect/>
-          </a:stretch>
-        </p:blipFill>
-        <p:spPr>
-          <a:xfrm>
-            <a:off x="5926866" y="3557618"/>
-            <a:ext cx="6265134" cy="3300382"/>
-          </a:xfrm>
-          <a:prstGeom prst="rect">
-            <a:avLst/>
-          </a:prstGeom>
-        </p:spPr>
-      </p:pic>
-      <p:sp>
-        <p:nvSpPr>
-          <p:cNvPr id="6" name="TextBox 5"/>
-          <p:cNvSpPr txBox="1"/>
-          <p:nvPr/>
-        </p:nvSpPr>
-        <p:spPr>
-          <a:xfrm>
-            <a:off x="1058743" y="1778809"/>
-            <a:ext cx="4764540" cy="4247317"/>
-          </a:xfrm>
-          <a:prstGeom prst="rect">
-            <a:avLst/>
-          </a:prstGeom>
-          <a:noFill/>
-        </p:spPr>
-        <p:txBody>
-          <a:bodyPr wrap="square" rtlCol="0">
-            <a:spAutoFit/>
-          </a:bodyPr>
-          <a:lstStyle/>
-          <a:p>
-            <a:r>
-              <a:rPr lang="en-US" sz="3000" dirty="0" smtClean="0"/>
-              <a:t>After reading through these directions as a </a:t>
-            </a:r>
-          </a:p>
-          <a:p>
-            <a:r>
-              <a:rPr lang="en-US" sz="3000" dirty="0"/>
-              <a:t>c</a:t>
-            </a:r>
-            <a:r>
-              <a:rPr lang="en-US" sz="3000" dirty="0" smtClean="0"/>
-              <a:t>lass. You will be told you have </a:t>
-            </a:r>
-            <a:r>
-              <a:rPr lang="en-US" sz="3000" b="1" i="1" u="sng" dirty="0" smtClean="0"/>
-              <a:t>10 minutes </a:t>
-            </a:r>
-            <a:r>
-              <a:rPr lang="en-US" sz="3000" dirty="0" smtClean="0"/>
-              <a:t>to complete the </a:t>
-            </a:r>
-            <a:r>
-              <a:rPr lang="en-US" sz="3000" b="1" u="sng" dirty="0" smtClean="0"/>
-              <a:t>15 questions</a:t>
-            </a:r>
-            <a:r>
-              <a:rPr lang="en-US" sz="3000" dirty="0" smtClean="0"/>
-              <a:t>. </a:t>
-            </a:r>
-          </a:p>
-          <a:p>
-            <a:r>
-              <a:rPr lang="en-US" sz="3000" dirty="0" smtClean="0"/>
-              <a:t>If you finish early, do not work ahead. Spend any extra time reviewing your answers for this section.</a:t>
-            </a:r>
-            <a:endParaRPr lang="en-US" sz="3000" dirty="0"/>
+              <a:t>Times for the abbreviated test today are approximate to stay consistent with the actual ACT </a:t>
+            </a:r>
+            <a:r>
+              <a:rPr lang="en-US" sz="3400" dirty="0" smtClean="0"/>
+              <a:t>Test pacing.</a:t>
+            </a:r>
+            <a:endParaRPr lang="en-US" sz="3400" dirty="0" smtClean="0"/>
+          </a:p>
+          <a:p>
+            <a:pPr marL="0" indent="0">
+              <a:buNone/>
+            </a:pPr>
+            <a:r>
+              <a:rPr lang="en-US" sz="3400" dirty="0" smtClean="0"/>
+              <a:t>Your teacher will give you a warning at </a:t>
+            </a:r>
+            <a:r>
+              <a:rPr lang="en-US" sz="3400" i="1" u="sng" dirty="0" smtClean="0"/>
+              <a:t>1 minute remaining</a:t>
+            </a:r>
+            <a:r>
+              <a:rPr lang="en-US" sz="3400" dirty="0" smtClean="0"/>
+              <a:t>!</a:t>
+            </a:r>
+          </a:p>
+          <a:p>
+            <a:pPr marL="0" indent="0">
+              <a:buNone/>
+            </a:pPr>
+            <a:endParaRPr lang="en-US" sz="3400" dirty="0" smtClean="0"/>
+          </a:p>
+          <a:p>
+            <a:pPr marL="0" indent="0">
+              <a:buNone/>
+            </a:pPr>
+            <a:r>
+              <a:rPr lang="en-US" sz="3400" dirty="0" smtClean="0"/>
+              <a:t>English 	(10 minutes 15 questions)</a:t>
+            </a:r>
+          </a:p>
+          <a:p>
+            <a:pPr marL="0" indent="0">
+              <a:buNone/>
+            </a:pPr>
+            <a:r>
+              <a:rPr lang="en-US" sz="3400" dirty="0" smtClean="0"/>
+              <a:t>Math 	(15 minutes 15 questions)</a:t>
+            </a:r>
+          </a:p>
+          <a:p>
+            <a:pPr marL="0" indent="0">
+              <a:buNone/>
+            </a:pPr>
+            <a:r>
+              <a:rPr lang="en-US" sz="3400" dirty="0" smtClean="0"/>
+              <a:t>Reading	(10 minutes 11 questions)</a:t>
+            </a:r>
+          </a:p>
+          <a:p>
+            <a:pPr marL="0" indent="0">
+              <a:buNone/>
+            </a:pPr>
+            <a:r>
+              <a:rPr lang="en-US" sz="3400" dirty="0" smtClean="0"/>
+              <a:t>Science 	(10 minutes 10 questions)</a:t>
+            </a:r>
           </a:p>
         </p:txBody>
       </p:sp>
     </p:spTree>
     <p:extLst>
       <p:ext uri="{BB962C8B-B14F-4D97-AF65-F5344CB8AC3E}">
-        <p14:creationId xmlns:p14="http://schemas.microsoft.com/office/powerpoint/2010/main" val="2229610683"/>
+        <p14:creationId xmlns:p14="http://schemas.microsoft.com/office/powerpoint/2010/main" val="1303715724"/>
       </p:ext>
     </p:extLst>
   </p:cSld>
   <p:clrMapOvr>
     <a:masterClrMapping/>
   </p:clrMapOvr>
-  <p:timing>
-    <p:tnLst>
-      <p:par>
-        <p:cTn id="1" dur="indefinite" restart="never" nodeType="tmRoot"/>
-      </p:par>
-    </p:tnLst>
-  </p:timing>
 </p:sld>
 </file>
 
@@ -5154,144 +5377,106 @@
       </p:grpSpPr>
       <p:sp>
         <p:nvSpPr>
-          <p:cNvPr id="5" name="TextBox 4"/>
-          <p:cNvSpPr txBox="1"/>
-          <p:nvPr/>
-        </p:nvSpPr>
-        <p:spPr>
-          <a:xfrm>
-            <a:off x="1122947" y="320842"/>
-            <a:ext cx="4281365" cy="615553"/>
-          </a:xfrm>
-          <a:prstGeom prst="rect">
-            <a:avLst/>
-          </a:prstGeom>
-          <a:noFill/>
-        </p:spPr>
-        <p:txBody>
-          <a:bodyPr wrap="none" rtlCol="0">
-            <a:spAutoFit/>
+          <p:cNvPr id="2" name="Title 1"/>
+          <p:cNvSpPr>
+            <a:spLocks noGrp="1"/>
+          </p:cNvSpPr>
+          <p:nvPr>
+            <p:ph type="title"/>
+          </p:nvPr>
+        </p:nvSpPr>
+        <p:spPr>
+          <a:xfrm>
+            <a:off x="770021" y="477253"/>
+            <a:ext cx="9601200" cy="1485900"/>
+          </a:xfrm>
+        </p:spPr>
+        <p:txBody>
+          <a:bodyPr/>
+          <a:lstStyle/>
+          <a:p>
+            <a:r>
+              <a:rPr lang="en-US" dirty="0" smtClean="0"/>
+              <a:t>Directions for Today. </a:t>
+            </a:r>
+            <a:endParaRPr lang="en-US" dirty="0"/>
+          </a:p>
+        </p:txBody>
+      </p:sp>
+      <p:sp>
+        <p:nvSpPr>
+          <p:cNvPr id="3" name="Content Placeholder 2"/>
+          <p:cNvSpPr>
+            <a:spLocks noGrp="1"/>
+          </p:cNvSpPr>
+          <p:nvPr>
+            <p:ph idx="1"/>
+          </p:nvPr>
+        </p:nvSpPr>
+        <p:spPr>
+          <a:xfrm>
+            <a:off x="770021" y="1427747"/>
+            <a:ext cx="11421979" cy="5229727"/>
+          </a:xfrm>
+        </p:spPr>
+        <p:txBody>
+          <a:bodyPr>
+            <a:normAutofit/>
           </a:bodyPr>
           <a:lstStyle/>
           <a:p>
             <a:r>
               <a:rPr lang="en-US" sz="3400" dirty="0" smtClean="0"/>
-              <a:t>Math Abbreviated Test</a:t>
+              <a:t>Be honest with yourself. This is not graded, Do your best!</a:t>
+            </a:r>
+          </a:p>
+          <a:p>
+            <a:pPr lvl="1"/>
+            <a:r>
+              <a:rPr lang="en-US" sz="3400" dirty="0" smtClean="0"/>
+              <a:t>Yes, the answers are on the last page… if you are worried you’ll check… tear the page off when you get it and put it out of sight. </a:t>
             </a:r>
             <a:endParaRPr lang="en-US" sz="3400" dirty="0"/>
           </a:p>
-        </p:txBody>
-      </p:sp>
-      <p:sp>
-        <p:nvSpPr>
-          <p:cNvPr id="6" name="TextBox 5"/>
-          <p:cNvSpPr txBox="1"/>
-          <p:nvPr/>
-        </p:nvSpPr>
-        <p:spPr>
-          <a:xfrm>
-            <a:off x="1058743" y="1474009"/>
-            <a:ext cx="4764540" cy="5170646"/>
-          </a:xfrm>
-          <a:prstGeom prst="rect">
-            <a:avLst/>
-          </a:prstGeom>
-          <a:noFill/>
-        </p:spPr>
-        <p:txBody>
-          <a:bodyPr wrap="square" rtlCol="0">
-            <a:spAutoFit/>
-          </a:bodyPr>
-          <a:lstStyle/>
-          <a:p>
-            <a:r>
-              <a:rPr lang="en-US" sz="3000" dirty="0" smtClean="0"/>
-              <a:t>After reading through these directions as a </a:t>
-            </a:r>
-          </a:p>
-          <a:p>
-            <a:r>
-              <a:rPr lang="en-US" sz="3000" dirty="0"/>
-              <a:t>c</a:t>
-            </a:r>
-            <a:r>
-              <a:rPr lang="en-US" sz="3000" dirty="0" smtClean="0"/>
-              <a:t>lass. You will be told you have 15 minutes to complete the 15 questions. </a:t>
-            </a:r>
-          </a:p>
-          <a:p>
-            <a:r>
-              <a:rPr lang="en-US" sz="3000" dirty="0" smtClean="0"/>
-              <a:t>If you finish early, do not work ahead, and do not go back go previous sections. Spend any extra time reviewing your answers for this section.</a:t>
-            </a:r>
-            <a:endParaRPr lang="en-US" sz="3000" dirty="0"/>
-          </a:p>
-        </p:txBody>
-      </p:sp>
-      <p:pic>
-        <p:nvPicPr>
-          <p:cNvPr id="7" name="Picture 6"/>
-          <p:cNvPicPr>
-            <a:picLocks noChangeAspect="1"/>
-          </p:cNvPicPr>
-          <p:nvPr/>
-        </p:nvPicPr>
-        <p:blipFill>
-          <a:blip r:embed="rId2">
-            <a:extLst>
-              <a:ext uri="{28A0092B-C50C-407E-A947-70E740481C1C}">
-                <a14:useLocalDpi xmlns:a14="http://schemas.microsoft.com/office/drawing/2010/main" val="0"/>
-              </a:ext>
-            </a:extLst>
-          </a:blip>
-          <a:stretch>
-            <a:fillRect/>
-          </a:stretch>
-        </p:blipFill>
-        <p:spPr>
-          <a:xfrm>
-            <a:off x="5823283" y="3513221"/>
-            <a:ext cx="6368717" cy="2742565"/>
-          </a:xfrm>
-          <a:prstGeom prst="rect">
-            <a:avLst/>
-          </a:prstGeom>
-        </p:spPr>
-      </p:pic>
-      <p:pic>
-        <p:nvPicPr>
-          <p:cNvPr id="8" name="Picture 7"/>
-          <p:cNvPicPr>
-            <a:picLocks noChangeAspect="1"/>
-          </p:cNvPicPr>
-          <p:nvPr/>
-        </p:nvPicPr>
-        <p:blipFill>
-          <a:blip r:embed="rId3">
-            <a:extLst>
-              <a:ext uri="{28A0092B-C50C-407E-A947-70E740481C1C}">
-                <a14:useLocalDpi xmlns:a14="http://schemas.microsoft.com/office/drawing/2010/main" val="0"/>
-              </a:ext>
-            </a:extLst>
-          </a:blip>
-          <a:stretch>
-            <a:fillRect/>
-          </a:stretch>
-        </p:blipFill>
-        <p:spPr>
-          <a:xfrm>
-            <a:off x="5823283" y="786063"/>
-            <a:ext cx="6340062" cy="2727158"/>
-          </a:xfrm>
-          <a:prstGeom prst="rect">
-            <a:avLst/>
-          </a:prstGeom>
-        </p:spPr>
-      </p:pic>
+          <a:p>
+            <a:pPr lvl="2"/>
+            <a:r>
+              <a:rPr lang="en-US" sz="3200" dirty="0" smtClean="0"/>
+              <a:t>Cheating on this now won’t help you later!</a:t>
+            </a:r>
+          </a:p>
+          <a:p>
+            <a:r>
+              <a:rPr lang="en-US" sz="3400" dirty="0" smtClean="0"/>
+              <a:t>Please do not go past the </a:t>
+            </a:r>
+            <a:r>
+              <a:rPr lang="en-US" sz="3400" b="1" dirty="0" smtClean="0"/>
+              <a:t>END OF TEST {#} </a:t>
+            </a:r>
+            <a:r>
+              <a:rPr lang="en-US" sz="3400" dirty="0" smtClean="0"/>
+              <a:t>page until told to do so to better prepare you for the ACT.</a:t>
+            </a:r>
+          </a:p>
+          <a:p>
+            <a:pPr lvl="1"/>
+            <a:r>
+              <a:rPr lang="en-US" sz="3400" dirty="0" smtClean="0"/>
+              <a:t>If you finish a section early go back and check over your work from that </a:t>
+            </a:r>
+            <a:r>
+              <a:rPr lang="en-US" sz="3400" dirty="0" smtClean="0"/>
+              <a:t>test only.</a:t>
+            </a:r>
+            <a:endParaRPr lang="en-US" sz="3400" dirty="0"/>
+          </a:p>
+        </p:txBody>
+      </p:sp>
     </p:spTree>
     <p:extLst>
       <p:ext uri="{BB962C8B-B14F-4D97-AF65-F5344CB8AC3E}">
-        <p14:creationId xmlns:p14="http://schemas.microsoft.com/office/powerpoint/2010/main" val="1686611719"/>
+        <p14:creationId xmlns:p14="http://schemas.microsoft.com/office/powerpoint/2010/main" val="2790436335"/>
       </p:ext>
     </p:extLst>
   </p:cSld>
@@ -5327,87 +5512,173 @@
       </p:grpSpPr>
       <p:sp>
         <p:nvSpPr>
-          <p:cNvPr id="2" name="Title 1"/>
-          <p:cNvSpPr>
-            <a:spLocks noGrp="1"/>
-          </p:cNvSpPr>
-          <p:nvPr>
-            <p:ph type="title"/>
-          </p:nvPr>
-        </p:nvSpPr>
-        <p:spPr/>
-        <p:txBody>
-          <a:bodyPr/>
-          <a:lstStyle/>
-          <a:p>
-            <a:r>
-              <a:rPr lang="en-US" dirty="0" smtClean="0"/>
-              <a:t>Break</a:t>
-            </a:r>
-            <a:endParaRPr lang="en-US" dirty="0"/>
-          </a:p>
-        </p:txBody>
-      </p:sp>
-      <p:sp>
-        <p:nvSpPr>
-          <p:cNvPr id="3" name="Content Placeholder 2"/>
-          <p:cNvSpPr>
-            <a:spLocks noGrp="1"/>
-          </p:cNvSpPr>
-          <p:nvPr>
-            <p:ph idx="1"/>
-          </p:nvPr>
-        </p:nvSpPr>
-        <p:spPr>
-          <a:xfrm>
-            <a:off x="1371600" y="1812758"/>
-            <a:ext cx="9601200" cy="5045242"/>
-          </a:xfrm>
-        </p:spPr>
-        <p:txBody>
-          <a:bodyPr>
-            <a:normAutofit/>
+          <p:cNvPr id="3" name="TextBox 2"/>
+          <p:cNvSpPr txBox="1"/>
+          <p:nvPr/>
+        </p:nvSpPr>
+        <p:spPr>
+          <a:xfrm>
+            <a:off x="882244" y="144379"/>
+            <a:ext cx="4654864" cy="615553"/>
+          </a:xfrm>
+          <a:prstGeom prst="rect">
+            <a:avLst/>
+          </a:prstGeom>
+          <a:noFill/>
+        </p:spPr>
+        <p:txBody>
+          <a:bodyPr wrap="none" rtlCol="0">
+            <a:spAutoFit/>
           </a:bodyPr>
           <a:lstStyle/>
           <a:p>
             <a:r>
-              <a:rPr lang="en-US" sz="3400" dirty="0"/>
-              <a:t>Take a 3 – 5 minute break to collect your thoughts before moving on to the last 2 sections</a:t>
-            </a:r>
-            <a:r>
               <a:rPr lang="en-US" sz="3400" dirty="0" smtClean="0"/>
-              <a:t>.</a:t>
-            </a:r>
-          </a:p>
-          <a:p>
+              <a:t>English Abbreviated Test</a:t>
+            </a:r>
             <a:endParaRPr lang="en-US" sz="3400" dirty="0"/>
           </a:p>
-          <a:p>
-            <a:r>
-              <a:rPr lang="en-US" sz="3400" dirty="0" smtClean="0"/>
-              <a:t>During the actual ACT this will be your chance to go to the restroom and get a drink. </a:t>
-            </a:r>
-          </a:p>
-          <a:p>
-            <a:pPr lvl="1"/>
-            <a:r>
-              <a:rPr lang="en-US" sz="3400" dirty="0" smtClean="0"/>
-              <a:t>There won’t be time today since this is a shorter test.  </a:t>
-            </a:r>
-            <a:endParaRPr lang="en-US" sz="3400" dirty="0"/>
+        </p:txBody>
+      </p:sp>
+      <p:pic>
+        <p:nvPicPr>
+          <p:cNvPr id="4" name="Picture 3"/>
+          <p:cNvPicPr>
+            <a:picLocks noChangeAspect="1"/>
+          </p:cNvPicPr>
+          <p:nvPr/>
+        </p:nvPicPr>
+        <p:blipFill>
+          <a:blip r:embed="rId2">
+            <a:extLst>
+              <a:ext uri="{28A0092B-C50C-407E-A947-70E740481C1C}">
+                <a14:useLocalDpi xmlns:a14="http://schemas.microsoft.com/office/drawing/2010/main" val="0"/>
+              </a:ext>
+            </a:extLst>
+          </a:blip>
+          <a:stretch>
+            <a:fillRect/>
+          </a:stretch>
+        </p:blipFill>
+        <p:spPr>
+          <a:xfrm>
+            <a:off x="5926866" y="0"/>
+            <a:ext cx="6368717" cy="3557618"/>
+          </a:xfrm>
+          <a:prstGeom prst="rect">
+            <a:avLst/>
+          </a:prstGeom>
+        </p:spPr>
+      </p:pic>
+      <p:pic>
+        <p:nvPicPr>
+          <p:cNvPr id="5" name="Picture 4"/>
+          <p:cNvPicPr>
+            <a:picLocks noChangeAspect="1"/>
+          </p:cNvPicPr>
+          <p:nvPr/>
+        </p:nvPicPr>
+        <p:blipFill>
+          <a:blip r:embed="rId3">
+            <a:extLst>
+              <a:ext uri="{28A0092B-C50C-407E-A947-70E740481C1C}">
+                <a14:useLocalDpi xmlns:a14="http://schemas.microsoft.com/office/drawing/2010/main" val="0"/>
+              </a:ext>
+            </a:extLst>
+          </a:blip>
+          <a:stretch>
+            <a:fillRect/>
+          </a:stretch>
+        </p:blipFill>
+        <p:spPr>
+          <a:xfrm>
+            <a:off x="5926866" y="3557618"/>
+            <a:ext cx="6265134" cy="3300382"/>
+          </a:xfrm>
+          <a:prstGeom prst="rect">
+            <a:avLst/>
+          </a:prstGeom>
+        </p:spPr>
+      </p:pic>
+      <p:sp>
+        <p:nvSpPr>
+          <p:cNvPr id="6" name="TextBox 5"/>
+          <p:cNvSpPr txBox="1"/>
+          <p:nvPr/>
+        </p:nvSpPr>
+        <p:spPr>
+          <a:xfrm>
+            <a:off x="1058743" y="1778809"/>
+            <a:ext cx="4764540" cy="4247317"/>
+          </a:xfrm>
+          <a:prstGeom prst="rect">
+            <a:avLst/>
+          </a:prstGeom>
+          <a:noFill/>
+        </p:spPr>
+        <p:txBody>
+          <a:bodyPr wrap="square" rtlCol="0">
+            <a:spAutoFit/>
+          </a:bodyPr>
+          <a:lstStyle/>
+          <a:p>
+            <a:r>
+              <a:rPr lang="en-US" sz="3000" dirty="0" smtClean="0"/>
+              <a:t>After reading through these directions as a </a:t>
+            </a:r>
+          </a:p>
+          <a:p>
+            <a:r>
+              <a:rPr lang="en-US" sz="3000" dirty="0"/>
+              <a:t>c</a:t>
+            </a:r>
+            <a:r>
+              <a:rPr lang="en-US" sz="3000" dirty="0" smtClean="0"/>
+              <a:t>lass. You will be told you have </a:t>
+            </a:r>
+            <a:r>
+              <a:rPr lang="en-US" sz="3000" b="1" i="1" u="sng" dirty="0" smtClean="0"/>
+              <a:t>10 minutes </a:t>
+            </a:r>
+            <a:r>
+              <a:rPr lang="en-US" sz="3000" dirty="0" smtClean="0"/>
+              <a:t>to complete the </a:t>
+            </a:r>
+            <a:r>
+              <a:rPr lang="en-US" sz="3000" b="1" u="sng" dirty="0" smtClean="0"/>
+              <a:t>15 questions</a:t>
+            </a:r>
+            <a:r>
+              <a:rPr lang="en-US" sz="3000" dirty="0" smtClean="0"/>
+              <a:t>. </a:t>
+            </a:r>
+          </a:p>
+          <a:p>
+            <a:r>
+              <a:rPr lang="en-US" sz="3000" dirty="0" smtClean="0"/>
+              <a:t>If you finish early, do not work ahead. Spend any extra time reviewing your answers for this section.</a:t>
+            </a:r>
+            <a:endParaRPr lang="en-US" sz="3000" dirty="0"/>
           </a:p>
         </p:txBody>
       </p:sp>
     </p:spTree>
     <p:extLst>
       <p:ext uri="{BB962C8B-B14F-4D97-AF65-F5344CB8AC3E}">
-        <p14:creationId xmlns:p14="http://schemas.microsoft.com/office/powerpoint/2010/main" val="1228444128"/>
+        <p14:creationId xmlns:p14="http://schemas.microsoft.com/office/powerpoint/2010/main" val="2229610683"/>
       </p:ext>
     </p:extLst>
   </p:cSld>
   <p:clrMapOvr>
     <a:masterClrMapping/>
   </p:clrMapOvr>
+  <p:timing>
+    <p:tnLst>
+      <p:par>
+        <p:cTn id="1" dur="indefinite" restart="never" nodeType="tmRoot"/>
+      </p:par>
+    </p:tnLst>
+  </p:timing>
 </p:sld>
 </file>
 
@@ -5428,9 +5699,85 @@
           <a:chExt cx="0" cy="0"/>
         </a:xfrm>
       </p:grpSpPr>
+      <p:sp>
+        <p:nvSpPr>
+          <p:cNvPr id="5" name="TextBox 4"/>
+          <p:cNvSpPr txBox="1"/>
+          <p:nvPr/>
+        </p:nvSpPr>
+        <p:spPr>
+          <a:xfrm>
+            <a:off x="1122947" y="320842"/>
+            <a:ext cx="4281365" cy="615553"/>
+          </a:xfrm>
+          <a:prstGeom prst="rect">
+            <a:avLst/>
+          </a:prstGeom>
+          <a:noFill/>
+        </p:spPr>
+        <p:txBody>
+          <a:bodyPr wrap="none" rtlCol="0">
+            <a:spAutoFit/>
+          </a:bodyPr>
+          <a:lstStyle/>
+          <a:p>
+            <a:r>
+              <a:rPr lang="en-US" sz="3400" dirty="0" smtClean="0"/>
+              <a:t>Math Abbreviated Test</a:t>
+            </a:r>
+            <a:endParaRPr lang="en-US" sz="3400" dirty="0"/>
+          </a:p>
+        </p:txBody>
+      </p:sp>
+      <p:sp>
+        <p:nvSpPr>
+          <p:cNvPr id="6" name="TextBox 5"/>
+          <p:cNvSpPr txBox="1"/>
+          <p:nvPr/>
+        </p:nvSpPr>
+        <p:spPr>
+          <a:xfrm>
+            <a:off x="1058743" y="1474009"/>
+            <a:ext cx="4764540" cy="5170646"/>
+          </a:xfrm>
+          <a:prstGeom prst="rect">
+            <a:avLst/>
+          </a:prstGeom>
+          <a:noFill/>
+        </p:spPr>
+        <p:txBody>
+          <a:bodyPr wrap="square" rtlCol="0">
+            <a:spAutoFit/>
+          </a:bodyPr>
+          <a:lstStyle/>
+          <a:p>
+            <a:r>
+              <a:rPr lang="en-US" sz="3000" dirty="0" smtClean="0"/>
+              <a:t>After reading through these directions as a </a:t>
+            </a:r>
+          </a:p>
+          <a:p>
+            <a:r>
+              <a:rPr lang="en-US" sz="3000" dirty="0"/>
+              <a:t>c</a:t>
+            </a:r>
+            <a:r>
+              <a:rPr lang="en-US" sz="3000" dirty="0" smtClean="0"/>
+              <a:t>lass. You will be told you have 15 minutes to complete the 15 questions. </a:t>
+            </a:r>
+          </a:p>
+          <a:p>
+            <a:r>
+              <a:rPr lang="en-US" sz="3000" dirty="0" smtClean="0"/>
+              <a:t>If you finish early, do not work ahead, and do not go back go previous sections. Spend any extra time reviewing your answers for this section.</a:t>
+            </a:r>
+            <a:endParaRPr lang="en-US" sz="3000" dirty="0"/>
+          </a:p>
+        </p:txBody>
+      </p:sp>
       <p:pic>
         <p:nvPicPr>
-          <p:cNvPr id="2" name="Picture 1"/>
+          <p:cNvPr id="7" name="Picture 6"/>
           <p:cNvPicPr>
             <a:picLocks noChangeAspect="1"/>
           </p:cNvPicPr>
@@ -5450,106 +5797,61 @@
         </p:blipFill>
         <p:spPr>
           <a:xfrm>
-            <a:off x="256674" y="936395"/>
-            <a:ext cx="11789238" cy="2896670"/>
+            <a:off x="5823283" y="3513221"/>
+            <a:ext cx="6368717" cy="2742565"/>
           </a:xfrm>
           <a:prstGeom prst="rect">
             <a:avLst/>
           </a:prstGeom>
         </p:spPr>
       </p:pic>
-      <p:sp>
-        <p:nvSpPr>
-          <p:cNvPr id="3" name="TextBox 2"/>
-          <p:cNvSpPr txBox="1"/>
+      <p:pic>
+        <p:nvPicPr>
+          <p:cNvPr id="8" name="Picture 7"/>
+          <p:cNvPicPr>
+            <a:picLocks noChangeAspect="1"/>
+          </p:cNvPicPr>
           <p:nvPr/>
-        </p:nvSpPr>
-        <p:spPr>
-          <a:xfrm>
-            <a:off x="1122947" y="320842"/>
-            <a:ext cx="4830168" cy="615553"/>
+        </p:nvPicPr>
+        <p:blipFill>
+          <a:blip r:embed="rId3">
+            <a:extLst>
+              <a:ext uri="{28A0092B-C50C-407E-A947-70E740481C1C}">
+                <a14:useLocalDpi xmlns:a14="http://schemas.microsoft.com/office/drawing/2010/main" val="0"/>
+              </a:ext>
+            </a:extLst>
+          </a:blip>
+          <a:stretch>
+            <a:fillRect/>
+          </a:stretch>
+        </p:blipFill>
+        <p:spPr>
+          <a:xfrm>
+            <a:off x="5823283" y="786063"/>
+            <a:ext cx="6340062" cy="2727158"/>
           </a:xfrm>
           <a:prstGeom prst="rect">
             <a:avLst/>
           </a:prstGeom>
-          <a:noFill/>
-        </p:spPr>
-        <p:txBody>
-          <a:bodyPr wrap="none" rtlCol="0">
-            <a:spAutoFit/>
-          </a:bodyPr>
-          <a:lstStyle/>
-          <a:p>
-            <a:r>
-              <a:rPr lang="en-US" sz="3400" dirty="0" smtClean="0"/>
-              <a:t>Reading Abbreviated Test</a:t>
-            </a:r>
-            <a:endParaRPr lang="en-US" sz="3400" dirty="0"/>
-          </a:p>
-        </p:txBody>
-      </p:sp>
-      <p:sp>
-        <p:nvSpPr>
-          <p:cNvPr id="4" name="TextBox 3"/>
-          <p:cNvSpPr txBox="1"/>
-          <p:nvPr/>
-        </p:nvSpPr>
-        <p:spPr>
-          <a:xfrm>
-            <a:off x="1636295" y="3994483"/>
-            <a:ext cx="10409617" cy="2400657"/>
-          </a:xfrm>
-          <a:prstGeom prst="rect">
-            <a:avLst/>
-          </a:prstGeom>
-          <a:noFill/>
-        </p:spPr>
-        <p:txBody>
-          <a:bodyPr wrap="square" rtlCol="0">
-            <a:spAutoFit/>
-          </a:bodyPr>
-          <a:lstStyle/>
-          <a:p>
-            <a:r>
-              <a:rPr lang="en-US" sz="3000" dirty="0" smtClean="0"/>
-              <a:t>After reading through these directions as a class. You will be told you have </a:t>
-            </a:r>
-            <a:r>
-              <a:rPr lang="en-US" sz="3000" b="1" i="1" u="sng" dirty="0" smtClean="0"/>
-              <a:t>10 minutes </a:t>
-            </a:r>
-            <a:r>
-              <a:rPr lang="en-US" sz="3000" dirty="0" smtClean="0"/>
-              <a:t>to complete the </a:t>
-            </a:r>
-            <a:r>
-              <a:rPr lang="en-US" sz="3000" b="1" i="1" u="sng" dirty="0" smtClean="0"/>
-              <a:t>11 questions</a:t>
-            </a:r>
-            <a:r>
-              <a:rPr lang="en-US" sz="3000" dirty="0" smtClean="0"/>
-              <a:t>. </a:t>
-            </a:r>
-          </a:p>
-          <a:p>
-            <a:r>
-              <a:rPr lang="en-US" sz="3000" dirty="0" smtClean="0"/>
-              <a:t>If you finish early, do not work ahead, and do not go back go previous sections. Spend any extra time reviewing your answers for this section.</a:t>
-            </a:r>
-            <a:endParaRPr lang="en-US" sz="3000" dirty="0"/>
-          </a:p>
-        </p:txBody>
-      </p:sp>
+        </p:spPr>
+      </p:pic>
     </p:spTree>
     <p:extLst>
       <p:ext uri="{BB962C8B-B14F-4D97-AF65-F5344CB8AC3E}">
-        <p14:creationId xmlns:p14="http://schemas.microsoft.com/office/powerpoint/2010/main" val="3915429168"/>
+        <p14:creationId xmlns:p14="http://schemas.microsoft.com/office/powerpoint/2010/main" val="1686611719"/>
       </p:ext>
     </p:extLst>
   </p:cSld>
   <p:clrMapOvr>
     <a:masterClrMapping/>
   </p:clrMapOvr>
+  <p:timing>
+    <p:tnLst>
+      <p:par>
+        <p:cTn id="1" dur="indefinite" restart="never" nodeType="tmRoot"/>
+      </p:par>
+    </p:tnLst>
+  </p:timing>
 </p:sld>
 </file>
 
@@ -5570,122 +5872,83 @@
           <a:chExt cx="0" cy="0"/>
         </a:xfrm>
       </p:grpSpPr>
-      <p:pic>
-        <p:nvPicPr>
-          <p:cNvPr id="2" name="Picture 1"/>
-          <p:cNvPicPr>
-            <a:picLocks noChangeAspect="1"/>
-          </p:cNvPicPr>
-          <p:nvPr/>
-        </p:nvPicPr>
-        <p:blipFill>
-          <a:blip r:embed="rId2">
-            <a:extLst>
-              <a:ext uri="{28A0092B-C50C-407E-A947-70E740481C1C}">
-                <a14:useLocalDpi xmlns:a14="http://schemas.microsoft.com/office/drawing/2010/main" val="0"/>
-              </a:ext>
-            </a:extLst>
-          </a:blip>
-          <a:stretch>
-            <a:fillRect/>
-          </a:stretch>
-        </p:blipFill>
-        <p:spPr>
-          <a:xfrm>
-            <a:off x="1636295" y="743890"/>
-            <a:ext cx="9047746" cy="3354047"/>
-          </a:xfrm>
-          <a:prstGeom prst="rect">
-            <a:avLst/>
-          </a:prstGeom>
-        </p:spPr>
-      </p:pic>
-      <p:sp>
-        <p:nvSpPr>
-          <p:cNvPr id="3" name="TextBox 2"/>
-          <p:cNvSpPr txBox="1"/>
-          <p:nvPr/>
-        </p:nvSpPr>
-        <p:spPr>
-          <a:xfrm>
-            <a:off x="978569" y="128337"/>
-            <a:ext cx="4773486" cy="615553"/>
-          </a:xfrm>
-          <a:prstGeom prst="rect">
-            <a:avLst/>
-          </a:prstGeom>
-          <a:noFill/>
-        </p:spPr>
-        <p:txBody>
-          <a:bodyPr wrap="none" rtlCol="0">
-            <a:spAutoFit/>
+      <p:sp>
+        <p:nvSpPr>
+          <p:cNvPr id="2" name="Title 1"/>
+          <p:cNvSpPr>
+            <a:spLocks noGrp="1"/>
+          </p:cNvSpPr>
+          <p:nvPr>
+            <p:ph type="title"/>
+          </p:nvPr>
+        </p:nvSpPr>
+        <p:spPr/>
+        <p:txBody>
+          <a:bodyPr/>
+          <a:lstStyle/>
+          <a:p>
+            <a:r>
+              <a:rPr lang="en-US" dirty="0" smtClean="0"/>
+              <a:t>Break</a:t>
+            </a:r>
+            <a:endParaRPr lang="en-US" dirty="0"/>
+          </a:p>
+        </p:txBody>
+      </p:sp>
+      <p:sp>
+        <p:nvSpPr>
+          <p:cNvPr id="3" name="Content Placeholder 2"/>
+          <p:cNvSpPr>
+            <a:spLocks noGrp="1"/>
+          </p:cNvSpPr>
+          <p:nvPr>
+            <p:ph idx="1"/>
+          </p:nvPr>
+        </p:nvSpPr>
+        <p:spPr>
+          <a:xfrm>
+            <a:off x="1371600" y="1812758"/>
+            <a:ext cx="9601200" cy="5045242"/>
+          </a:xfrm>
+        </p:spPr>
+        <p:txBody>
+          <a:bodyPr>
+            <a:normAutofit/>
           </a:bodyPr>
           <a:lstStyle/>
           <a:p>
             <a:r>
+              <a:rPr lang="en-US" sz="3400" dirty="0"/>
+              <a:t>Take a 3 – 5 minute break to collect your thoughts before moving on to the last 2 sections</a:t>
+            </a:r>
+            <a:r>
               <a:rPr lang="en-US" sz="3400" dirty="0" smtClean="0"/>
-              <a:t>Science Abbreviated Test</a:t>
-            </a:r>
+              <a:t>.</a:t>
+            </a:r>
+          </a:p>
+          <a:p>
             <a:endParaRPr lang="en-US" sz="3400" dirty="0"/>
           </a:p>
-        </p:txBody>
-      </p:sp>
-      <p:sp>
-        <p:nvSpPr>
-          <p:cNvPr id="4" name="TextBox 3"/>
-          <p:cNvSpPr txBox="1"/>
-          <p:nvPr/>
-        </p:nvSpPr>
-        <p:spPr>
-          <a:xfrm>
-            <a:off x="1219200" y="4267200"/>
-            <a:ext cx="10826712" cy="2400657"/>
-          </a:xfrm>
-          <a:prstGeom prst="rect">
-            <a:avLst/>
-          </a:prstGeom>
-          <a:noFill/>
-        </p:spPr>
-        <p:txBody>
-          <a:bodyPr wrap="square" rtlCol="0">
-            <a:spAutoFit/>
-          </a:bodyPr>
-          <a:lstStyle/>
-          <a:p>
-            <a:r>
-              <a:rPr lang="en-US" sz="3000" dirty="0" smtClean="0"/>
-              <a:t>After reading through these directions as a class. You will be told you have </a:t>
-            </a:r>
-            <a:r>
-              <a:rPr lang="en-US" sz="3000" b="1" i="1" u="sng" dirty="0" smtClean="0"/>
-              <a:t>10 minutes </a:t>
-            </a:r>
-            <a:r>
-              <a:rPr lang="en-US" sz="3000" dirty="0" smtClean="0"/>
-              <a:t>to complete the </a:t>
-            </a:r>
-            <a:r>
-              <a:rPr lang="en-US" sz="3000" b="1" i="1" u="sng" dirty="0" smtClean="0"/>
-              <a:t>10 questions</a:t>
-            </a:r>
-            <a:r>
-              <a:rPr lang="en-US" sz="3000" dirty="0" smtClean="0"/>
-              <a:t>. </a:t>
-            </a:r>
-          </a:p>
-          <a:p>
-            <a:r>
-              <a:rPr lang="en-US" sz="3000" dirty="0" smtClean="0"/>
-              <a:t>If you finish early, do not work ahead, and do not go back go previous sections. Spend any extra time reviewing your answers for this section.</a:t>
-            </a:r>
-            <a:endParaRPr lang="en-US" sz="3000" dirty="0"/>
+          <a:p>
+            <a:r>
+              <a:rPr lang="en-US" sz="3400" dirty="0" smtClean="0"/>
+              <a:t>During the actual ACT this will be your chance to go to the restroom and get a drink. </a:t>
+            </a:r>
+          </a:p>
+          <a:p>
+            <a:pPr lvl="1"/>
+            <a:r>
+              <a:rPr lang="en-US" sz="3400" dirty="0" smtClean="0"/>
+              <a:t>There won’t be time today since this is a shorter test.  </a:t>
+            </a:r>
+            <a:endParaRPr lang="en-US" sz="3400" dirty="0"/>
           </a:p>
         </p:txBody>
       </p:sp>
     </p:spTree>
     <p:extLst>
       <p:ext uri="{BB962C8B-B14F-4D97-AF65-F5344CB8AC3E}">
-        <p14:creationId xmlns:p14="http://schemas.microsoft.com/office/powerpoint/2010/main" val="1263490851"/>
+        <p14:creationId xmlns:p14="http://schemas.microsoft.com/office/powerpoint/2010/main" val="1228444128"/>
       </p:ext>
     </p:extLst>
   </p:cSld>

--- a/_PowerPoints/2nd Semester/Unit 7 ACT/Algebra4_Day_063 ACT Abbreviated Test.pptx
+++ b/_PowerPoints/2nd Semester/Unit 7 ACT/Algebra4_Day_063 ACT Abbreviated Test.pptx
@@ -27,7 +27,7 @@
     <p:sldId id="294" r:id="rId18"/>
   </p:sldIdLst>
   <p:sldSz cx="12192000" cy="6858000"/>
-  <p:notesSz cx="9296400" cy="7010400"/>
+  <p:notesSz cx="7010400" cy="9296400"/>
   <p:defaultTextStyle>
     <a:defPPr>
       <a:defRPr lang="en-US"/>
@@ -165,8 +165,8 @@
         </p:nvSpPr>
         <p:spPr>
           <a:xfrm>
-            <a:off x="0" y="1"/>
-            <a:ext cx="4028440" cy="351737"/>
+            <a:off x="0" y="2"/>
+            <a:ext cx="3037840" cy="466434"/>
           </a:xfrm>
           <a:prstGeom prst="rect">
             <a:avLst/>
@@ -196,8 +196,8 @@
         </p:nvSpPr>
         <p:spPr>
           <a:xfrm>
-            <a:off x="5265809" y="1"/>
-            <a:ext cx="4028440" cy="351737"/>
+            <a:off x="3970938" y="2"/>
+            <a:ext cx="3037840" cy="466434"/>
           </a:xfrm>
           <a:prstGeom prst="rect">
             <a:avLst/>
@@ -213,7 +213,7 @@
           <a:p>
             <a:fld id="{FAC4242D-6570-4D26-878C-5DE8AD62D39F}" type="datetimeFigureOut">
               <a:rPr lang="en-US" smtClean="0"/>
-              <a:t>3/20/2018</a:t>
+              <a:t>3/22/2018</a:t>
             </a:fld>
             <a:endParaRPr lang="en-US"/>
           </a:p>
@@ -231,8 +231,8 @@
         </p:nvSpPr>
         <p:spPr>
           <a:xfrm>
-            <a:off x="0" y="6658664"/>
-            <a:ext cx="4028440" cy="351736"/>
+            <a:off x="0" y="8829967"/>
+            <a:ext cx="3037840" cy="466433"/>
           </a:xfrm>
           <a:prstGeom prst="rect">
             <a:avLst/>
@@ -262,8 +262,8 @@
         </p:nvSpPr>
         <p:spPr>
           <a:xfrm>
-            <a:off x="5265809" y="6658664"/>
-            <a:ext cx="4028440" cy="351736"/>
+            <a:off x="3970938" y="8829967"/>
+            <a:ext cx="3037840" cy="466433"/>
           </a:xfrm>
           <a:prstGeom prst="rect">
             <a:avLst/>
@@ -466,7 +466,7 @@
             <a:fld id="{87DE6118-2437-4B30-8E3C-4D2BE6020583}" type="datetimeFigureOut">
               <a:rPr lang="en-US" dirty="0"/>
               <a:pPr/>
-              <a:t>3/20/2018</a:t>
+              <a:t>3/22/2018</a:t>
             </a:fld>
             <a:endParaRPr lang="en-US" dirty="0"/>
           </a:p>
@@ -792,7 +792,7 @@
           <a:p>
             <a:fld id="{87DE6118-2437-4B30-8E3C-4D2BE6020583}" type="datetimeFigureOut">
               <a:rPr lang="en-US" dirty="0"/>
-              <a:t>3/20/2018</a:t>
+              <a:t>3/22/2018</a:t>
             </a:fld>
             <a:endParaRPr lang="en-US" dirty="0"/>
           </a:p>
@@ -967,7 +967,7 @@
           <a:p>
             <a:fld id="{87DE6118-2437-4B30-8E3C-4D2BE6020583}" type="datetimeFigureOut">
               <a:rPr lang="en-US" dirty="0"/>
-              <a:t>3/20/2018</a:t>
+              <a:t>3/22/2018</a:t>
             </a:fld>
             <a:endParaRPr lang="en-US" dirty="0"/>
           </a:p>
@@ -1132,7 +1132,7 @@
           <a:p>
             <a:fld id="{87DE6118-2437-4B30-8E3C-4D2BE6020583}" type="datetimeFigureOut">
               <a:rPr lang="en-US" dirty="0"/>
-              <a:t>3/20/2018</a:t>
+              <a:t>3/22/2018</a:t>
             </a:fld>
             <a:endParaRPr lang="en-US" dirty="0"/>
           </a:p>
@@ -1405,7 +1405,7 @@
             <a:fld id="{87DE6118-2437-4B30-8E3C-4D2BE6020583}" type="datetimeFigureOut">
               <a:rPr lang="en-US" dirty="0"/>
               <a:pPr/>
-              <a:t>3/20/2018</a:t>
+              <a:t>3/22/2018</a:t>
             </a:fld>
             <a:endParaRPr lang="en-US" dirty="0"/>
           </a:p>
@@ -1795,7 +1795,7 @@
           <a:p>
             <a:fld id="{87DE6118-2437-4B30-8E3C-4D2BE6020583}" type="datetimeFigureOut">
               <a:rPr lang="en-US" dirty="0"/>
-              <a:t>3/20/2018</a:t>
+              <a:t>3/22/2018</a:t>
             </a:fld>
             <a:endParaRPr lang="en-US" dirty="0"/>
           </a:p>
@@ -2267,7 +2267,7 @@
           <a:p>
             <a:fld id="{87DE6118-2437-4B30-8E3C-4D2BE6020583}" type="datetimeFigureOut">
               <a:rPr lang="en-US" dirty="0"/>
-              <a:t>3/20/2018</a:t>
+              <a:t>3/22/2018</a:t>
             </a:fld>
             <a:endParaRPr lang="en-US" dirty="0"/>
           </a:p>
@@ -2380,7 +2380,7 @@
           <a:p>
             <a:fld id="{87DE6118-2437-4B30-8E3C-4D2BE6020583}" type="datetimeFigureOut">
               <a:rPr lang="en-US" dirty="0"/>
-              <a:t>3/20/2018</a:t>
+              <a:t>3/22/2018</a:t>
             </a:fld>
             <a:endParaRPr lang="en-US" dirty="0"/>
           </a:p>
@@ -2470,7 +2470,7 @@
           <a:p>
             <a:fld id="{87DE6118-2437-4B30-8E3C-4D2BE6020583}" type="datetimeFigureOut">
               <a:rPr lang="en-US" dirty="0"/>
-              <a:t>3/20/2018</a:t>
+              <a:t>3/22/2018</a:t>
             </a:fld>
             <a:endParaRPr lang="en-US" dirty="0"/>
           </a:p>
@@ -2812,7 +2812,7 @@
             <a:fld id="{87DE6118-2437-4B30-8E3C-4D2BE6020583}" type="datetimeFigureOut">
               <a:rPr lang="en-US" dirty="0"/>
               <a:pPr/>
-              <a:t>3/20/2018</a:t>
+              <a:t>3/22/2018</a:t>
             </a:fld>
             <a:endParaRPr lang="en-US" dirty="0"/>
           </a:p>
@@ -3197,7 +3197,7 @@
             <a:fld id="{87DE6118-2437-4B30-8E3C-4D2BE6020583}" type="datetimeFigureOut">
               <a:rPr lang="en-US" dirty="0"/>
               <a:pPr/>
-              <a:t>3/20/2018</a:t>
+              <a:t>3/22/2018</a:t>
             </a:fld>
             <a:endParaRPr lang="en-US" dirty="0"/>
           </a:p>
@@ -3472,7 +3472,7 @@
             <a:fld id="{87DE6118-2437-4B30-8E3C-4D2BE6020583}" type="datetimeFigureOut">
               <a:rPr lang="en-US" dirty="0"/>
               <a:pPr/>
-              <a:t>3/20/2018</a:t>
+              <a:t>3/22/2018</a:t>
             </a:fld>
             <a:endParaRPr lang="en-US" dirty="0"/>
           </a:p>
@@ -4389,15 +4389,7 @@
           <a:p>
             <a:r>
               <a:rPr lang="en-US" sz="3400" dirty="0" smtClean="0"/>
-              <a:t>Take </a:t>
-            </a:r>
-            <a:r>
-              <a:rPr lang="en-US" sz="3400" dirty="0" smtClean="0"/>
-              <a:t>10-12 </a:t>
-            </a:r>
-            <a:r>
-              <a:rPr lang="en-US" sz="3400" dirty="0" smtClean="0"/>
-              <a:t>minutes to go back and review your work… </a:t>
+              <a:t>Take 10-12 minutes to go back and review your work… </a:t>
             </a:r>
           </a:p>
           <a:p>
@@ -4605,28 +4597,16 @@
           <a:p>
             <a:r>
               <a:rPr lang="en-US" sz="3400" dirty="0" smtClean="0"/>
-              <a:t>We won’t actually ‘test’ on </a:t>
-            </a:r>
+              <a:t>We won’t actually ‘test’ on this today, but just so you can have an example of what the writing portion will look like… feel free to take a picture and think about how you would answer this prompt. </a:t>
+            </a:r>
+          </a:p>
+          <a:p>
+            <a:endParaRPr lang="en-US" sz="3400" dirty="0" smtClean="0"/>
+          </a:p>
+          <a:p>
             <a:r>
               <a:rPr lang="en-US" sz="3400" dirty="0" smtClean="0"/>
-              <a:t>this today, but just so you can have an example of what the writing portion will look like… feel free to take a picture and think about how you would answer this </a:t>
-            </a:r>
-            <a:r>
-              <a:rPr lang="en-US" sz="3400" dirty="0" smtClean="0"/>
-              <a:t>prompt. </a:t>
-            </a:r>
-          </a:p>
-          <a:p>
-            <a:endParaRPr lang="en-US" sz="3400" dirty="0" smtClean="0"/>
-          </a:p>
-          <a:p>
-            <a:r>
-              <a:rPr lang="en-US" sz="3400" dirty="0" smtClean="0"/>
-              <a:t>The first slide gives you the set up, and the second one asks you </a:t>
-            </a:r>
-            <a:r>
-              <a:rPr lang="en-US" sz="3400" dirty="0" smtClean="0"/>
-              <a:t>to start writing. </a:t>
+              <a:t>The first slide gives you the set up, and the second one asks you to start writing. </a:t>
             </a:r>
             <a:endParaRPr lang="en-US" sz="3400" dirty="0"/>
           </a:p>
@@ -4833,7 +4813,7 @@
           <a:p>
             <a:r>
               <a:rPr lang="en-US" sz="3400" dirty="0" smtClean="0"/>
-              <a:t>Attempt Mini Test 4</a:t>
+              <a:t>Attempt Mini Test 3</a:t>
             </a:r>
           </a:p>
           <a:p>
@@ -5164,13 +5144,8 @@
             <a:pPr lvl="1"/>
             <a:r>
               <a:rPr lang="en-US" sz="3400" dirty="0" smtClean="0"/>
-              <a:t>Taking all 4 </a:t>
-            </a:r>
-            <a:r>
-              <a:rPr lang="en-US" sz="3400" dirty="0" smtClean="0"/>
-              <a:t>tests today (shortened version)</a:t>
-            </a:r>
-            <a:endParaRPr lang="en-US" sz="3400" dirty="0" smtClean="0"/>
+              <a:t>Taking all 4 tests today (shortened version)</a:t>
+            </a:r>
           </a:p>
           <a:p>
             <a:pPr lvl="1"/>
@@ -5179,7 +5154,7 @@
           <a:p>
             <a:r>
               <a:rPr lang="en-US" sz="3400" dirty="0" smtClean="0"/>
-              <a:t>Mini Math Test 4</a:t>
+              <a:t>Mini Math Test 3 (in class/homework)</a:t>
             </a:r>
             <a:endParaRPr lang="en-US" sz="3400" dirty="0"/>
           </a:p>
@@ -5276,13 +5251,8 @@
             </a:pPr>
             <a:r>
               <a:rPr lang="en-US" sz="3400" dirty="0" smtClean="0"/>
-              <a:t>Times for the abbreviated test today are approximate to stay consistent with the actual ACT </a:t>
-            </a:r>
-            <a:r>
-              <a:rPr lang="en-US" sz="3400" dirty="0" smtClean="0"/>
-              <a:t>Test pacing.</a:t>
-            </a:r>
-            <a:endParaRPr lang="en-US" sz="3400" dirty="0" smtClean="0"/>
+              <a:t>Times for the abbreviated test today are approximate to stay consistent with the actual ACT Test pacing.</a:t>
+            </a:r>
           </a:p>
           <a:p>
             <a:pPr marL="0" indent="0">
@@ -5463,11 +5433,7 @@
             <a:pPr lvl="1"/>
             <a:r>
               <a:rPr lang="en-US" sz="3400" dirty="0" smtClean="0"/>
-              <a:t>If you finish a section early go back and check over your work from that </a:t>
-            </a:r>
-            <a:r>
-              <a:rPr lang="en-US" sz="3400" dirty="0" smtClean="0"/>
-              <a:t>test only.</a:t>
+              <a:t>If you finish a section early go back and check over your work from that test only.</a:t>
             </a:r>
             <a:endParaRPr lang="en-US" sz="3400" dirty="0"/>
           </a:p>
